--- a/materials/00/00.pptx
+++ b/materials/00/00.pptx
@@ -217,7 +217,7 @@
           <a:p>
             <a:fld id="{636A9AF6-331B-4E58-9001-8E72DBEA7EF8}" type="datetimeFigureOut">
               <a:rPr kumimoji="1" lang="ja-JP" altLang="en-US" smtClean="0"/>
-              <a:t>2018/12/6</a:t>
+              <a:t>2021/11/17</a:t>
             </a:fld>
             <a:endParaRPr kumimoji="1" lang="ja-JP" altLang="en-US"/>
           </a:p>
@@ -281,70 +281,69 @@
           <a:p>
             <a:pPr lvl="0"/>
             <a:r>
-              <a:rPr kumimoji="1" lang="ja-JP" altLang="en-US" smtClean="0"/>
+              <a:rPr kumimoji="1" lang="ja-JP" altLang="en-US"/>
               <a:t>マスター テキストの書式設定</a:t>
             </a:r>
           </a:p>
           <a:p>
             <a:pPr lvl="1"/>
             <a:r>
-              <a:rPr kumimoji="1" lang="ja-JP" altLang="en-US" smtClean="0"/>
+              <a:rPr kumimoji="1" lang="ja-JP" altLang="en-US"/>
               <a:t>第 </a:t>
             </a:r>
             <a:r>
-              <a:rPr kumimoji="1" lang="en-US" altLang="ja-JP" smtClean="0"/>
+              <a:rPr kumimoji="1" lang="en-US" altLang="ja-JP"/>
               <a:t>2 </a:t>
             </a:r>
             <a:r>
-              <a:rPr kumimoji="1" lang="ja-JP" altLang="en-US" smtClean="0"/>
+              <a:rPr kumimoji="1" lang="ja-JP" altLang="en-US"/>
               <a:t>レベル</a:t>
             </a:r>
           </a:p>
           <a:p>
             <a:pPr lvl="2"/>
             <a:r>
-              <a:rPr kumimoji="1" lang="ja-JP" altLang="en-US" smtClean="0"/>
+              <a:rPr kumimoji="1" lang="ja-JP" altLang="en-US"/>
               <a:t>第 </a:t>
             </a:r>
             <a:r>
-              <a:rPr kumimoji="1" lang="en-US" altLang="ja-JP" smtClean="0"/>
+              <a:rPr kumimoji="1" lang="en-US" altLang="ja-JP"/>
               <a:t>3 </a:t>
             </a:r>
             <a:r>
-              <a:rPr kumimoji="1" lang="ja-JP" altLang="en-US" smtClean="0"/>
+              <a:rPr kumimoji="1" lang="ja-JP" altLang="en-US"/>
               <a:t>レベル</a:t>
             </a:r>
           </a:p>
           <a:p>
             <a:pPr lvl="3"/>
             <a:r>
-              <a:rPr kumimoji="1" lang="ja-JP" altLang="en-US" smtClean="0"/>
+              <a:rPr kumimoji="1" lang="ja-JP" altLang="en-US"/>
               <a:t>第 </a:t>
             </a:r>
             <a:r>
-              <a:rPr kumimoji="1" lang="en-US" altLang="ja-JP" smtClean="0"/>
+              <a:rPr kumimoji="1" lang="en-US" altLang="ja-JP"/>
               <a:t>4 </a:t>
             </a:r>
             <a:r>
-              <a:rPr kumimoji="1" lang="ja-JP" altLang="en-US" smtClean="0"/>
+              <a:rPr kumimoji="1" lang="ja-JP" altLang="en-US"/>
               <a:t>レベル</a:t>
             </a:r>
           </a:p>
           <a:p>
             <a:pPr lvl="4"/>
             <a:r>
-              <a:rPr kumimoji="1" lang="ja-JP" altLang="en-US" smtClean="0"/>
+              <a:rPr kumimoji="1" lang="ja-JP" altLang="en-US"/>
               <a:t>第 </a:t>
             </a:r>
             <a:r>
-              <a:rPr kumimoji="1" lang="en-US" altLang="ja-JP" smtClean="0"/>
+              <a:rPr kumimoji="1" lang="en-US" altLang="ja-JP"/>
               <a:t>5 </a:t>
             </a:r>
             <a:r>
-              <a:rPr kumimoji="1" lang="ja-JP" altLang="en-US" smtClean="0"/>
+              <a:rPr kumimoji="1" lang="ja-JP" altLang="en-US"/>
               <a:t>レベル</a:t>
             </a:r>
-            <a:endParaRPr kumimoji="1" lang="ja-JP" altLang="en-US"/>
           </a:p>
         </p:txBody>
       </p:sp>
@@ -744,7 +743,7 @@
           </a:lstStyle>
           <a:p>
             <a:r>
-              <a:rPr lang="ja-JP" altLang="en-US" smtClean="0"/>
+              <a:rPr lang="ja-JP" altLang="en-US"/>
               <a:t>マスター タイトルの書式設定</a:t>
             </a:r>
             <a:endParaRPr lang="en-US" dirty="0"/>
@@ -768,7 +767,7 @@
           <a:p>
             <a:fld id="{7BF98B17-CE4C-42DD-AEDB-B62939FBF2E8}" type="datetimeFigureOut">
               <a:rPr kumimoji="1" lang="ja-JP" altLang="en-US" smtClean="0"/>
-              <a:t>2018/12/6</a:t>
+              <a:t>2021/11/17</a:t>
             </a:fld>
             <a:endParaRPr kumimoji="1" lang="ja-JP" altLang="en-US"/>
           </a:p>
@@ -1686,13 +1685,6 @@
   <p:clrMapOvr>
     <a:masterClrMapping/>
   </p:clrMapOvr>
-  <p:timing>
-    <p:tnLst>
-      <p:par>
-        <p:cTn id="1" dur="indefinite" restart="never" nodeType="tmRoot"/>
-      </p:par>
-    </p:tnLst>
-  </p:timing>
 </p:sldLayout>
 </file>
 
@@ -1729,7 +1721,7 @@
           <a:lstStyle/>
           <a:p>
             <a:r>
-              <a:rPr lang="ja-JP" altLang="en-US" smtClean="0"/>
+              <a:rPr lang="ja-JP" altLang="en-US"/>
               <a:t>マスター タイトルの書式設定</a:t>
             </a:r>
             <a:endParaRPr lang="en-US" dirty="0"/>
@@ -1753,67 +1745,67 @@
           <a:p>
             <a:pPr lvl="0"/>
             <a:r>
-              <a:rPr lang="ja-JP" altLang="en-US" smtClean="0"/>
+              <a:rPr lang="ja-JP" altLang="en-US"/>
               <a:t>マスター テキストの書式設定</a:t>
             </a:r>
           </a:p>
           <a:p>
             <a:pPr lvl="1"/>
             <a:r>
-              <a:rPr lang="ja-JP" altLang="en-US" smtClean="0"/>
+              <a:rPr lang="ja-JP" altLang="en-US"/>
               <a:t>第 </a:t>
             </a:r>
             <a:r>
-              <a:rPr lang="en-US" altLang="ja-JP" smtClean="0"/>
+              <a:rPr lang="en-US" altLang="ja-JP"/>
               <a:t>2 </a:t>
             </a:r>
             <a:r>
-              <a:rPr lang="ja-JP" altLang="en-US" smtClean="0"/>
+              <a:rPr lang="ja-JP" altLang="en-US"/>
               <a:t>レベル</a:t>
             </a:r>
           </a:p>
           <a:p>
             <a:pPr lvl="2"/>
             <a:r>
-              <a:rPr lang="ja-JP" altLang="en-US" smtClean="0"/>
+              <a:rPr lang="ja-JP" altLang="en-US"/>
               <a:t>第 </a:t>
             </a:r>
             <a:r>
-              <a:rPr lang="en-US" altLang="ja-JP" smtClean="0"/>
+              <a:rPr lang="en-US" altLang="ja-JP"/>
               <a:t>3 </a:t>
             </a:r>
             <a:r>
-              <a:rPr lang="ja-JP" altLang="en-US" smtClean="0"/>
+              <a:rPr lang="ja-JP" altLang="en-US"/>
               <a:t>レベル</a:t>
             </a:r>
           </a:p>
           <a:p>
             <a:pPr lvl="3"/>
             <a:r>
-              <a:rPr lang="ja-JP" altLang="en-US" smtClean="0"/>
+              <a:rPr lang="ja-JP" altLang="en-US"/>
               <a:t>第 </a:t>
             </a:r>
             <a:r>
-              <a:rPr lang="en-US" altLang="ja-JP" smtClean="0"/>
+              <a:rPr lang="en-US" altLang="ja-JP"/>
               <a:t>4 </a:t>
             </a:r>
             <a:r>
-              <a:rPr lang="ja-JP" altLang="en-US" smtClean="0"/>
+              <a:rPr lang="ja-JP" altLang="en-US"/>
               <a:t>レベル</a:t>
             </a:r>
           </a:p>
           <a:p>
             <a:pPr lvl="4"/>
             <a:r>
-              <a:rPr lang="ja-JP" altLang="en-US" smtClean="0"/>
+              <a:rPr lang="ja-JP" altLang="en-US"/>
               <a:t>第 </a:t>
             </a:r>
             <a:r>
-              <a:rPr lang="en-US" altLang="ja-JP" smtClean="0"/>
+              <a:rPr lang="en-US" altLang="ja-JP"/>
               <a:t>5 </a:t>
             </a:r>
             <a:r>
-              <a:rPr lang="ja-JP" altLang="en-US" smtClean="0"/>
+              <a:rPr lang="ja-JP" altLang="en-US"/>
               <a:t>レベル</a:t>
             </a:r>
             <a:endParaRPr lang="en-US" dirty="0"/>
@@ -1837,7 +1829,7 @@
           <a:p>
             <a:fld id="{7BF98B17-CE4C-42DD-AEDB-B62939FBF2E8}" type="datetimeFigureOut">
               <a:rPr kumimoji="1" lang="ja-JP" altLang="en-US" smtClean="0"/>
-              <a:t>2018/12/6</a:t>
+              <a:t>2021/11/17</a:t>
             </a:fld>
             <a:endParaRPr kumimoji="1" lang="ja-JP" altLang="en-US"/>
           </a:p>
@@ -1936,7 +1928,7 @@
           <a:lstStyle/>
           <a:p>
             <a:r>
-              <a:rPr lang="ja-JP" altLang="en-US" smtClean="0"/>
+              <a:rPr lang="ja-JP" altLang="en-US"/>
               <a:t>マスター タイトルの書式設定</a:t>
             </a:r>
             <a:endParaRPr lang="en-US" dirty="0"/>
@@ -1965,67 +1957,67 @@
           <a:p>
             <a:pPr lvl="0"/>
             <a:r>
-              <a:rPr lang="ja-JP" altLang="en-US" smtClean="0"/>
+              <a:rPr lang="ja-JP" altLang="en-US"/>
               <a:t>マスター テキストの書式設定</a:t>
             </a:r>
           </a:p>
           <a:p>
             <a:pPr lvl="1"/>
             <a:r>
-              <a:rPr lang="ja-JP" altLang="en-US" smtClean="0"/>
+              <a:rPr lang="ja-JP" altLang="en-US"/>
               <a:t>第 </a:t>
             </a:r>
             <a:r>
-              <a:rPr lang="en-US" altLang="ja-JP" smtClean="0"/>
+              <a:rPr lang="en-US" altLang="ja-JP"/>
               <a:t>2 </a:t>
             </a:r>
             <a:r>
-              <a:rPr lang="ja-JP" altLang="en-US" smtClean="0"/>
+              <a:rPr lang="ja-JP" altLang="en-US"/>
               <a:t>レベル</a:t>
             </a:r>
           </a:p>
           <a:p>
             <a:pPr lvl="2"/>
             <a:r>
-              <a:rPr lang="ja-JP" altLang="en-US" smtClean="0"/>
+              <a:rPr lang="ja-JP" altLang="en-US"/>
               <a:t>第 </a:t>
             </a:r>
             <a:r>
-              <a:rPr lang="en-US" altLang="ja-JP" smtClean="0"/>
+              <a:rPr lang="en-US" altLang="ja-JP"/>
               <a:t>3 </a:t>
             </a:r>
             <a:r>
-              <a:rPr lang="ja-JP" altLang="en-US" smtClean="0"/>
+              <a:rPr lang="ja-JP" altLang="en-US"/>
               <a:t>レベル</a:t>
             </a:r>
           </a:p>
           <a:p>
             <a:pPr lvl="3"/>
             <a:r>
-              <a:rPr lang="ja-JP" altLang="en-US" smtClean="0"/>
+              <a:rPr lang="ja-JP" altLang="en-US"/>
               <a:t>第 </a:t>
             </a:r>
             <a:r>
-              <a:rPr lang="en-US" altLang="ja-JP" smtClean="0"/>
+              <a:rPr lang="en-US" altLang="ja-JP"/>
               <a:t>4 </a:t>
             </a:r>
             <a:r>
-              <a:rPr lang="ja-JP" altLang="en-US" smtClean="0"/>
+              <a:rPr lang="ja-JP" altLang="en-US"/>
               <a:t>レベル</a:t>
             </a:r>
           </a:p>
           <a:p>
             <a:pPr lvl="4"/>
             <a:r>
-              <a:rPr lang="ja-JP" altLang="en-US" smtClean="0"/>
+              <a:rPr lang="ja-JP" altLang="en-US"/>
               <a:t>第 </a:t>
             </a:r>
             <a:r>
-              <a:rPr lang="en-US" altLang="ja-JP" smtClean="0"/>
+              <a:rPr lang="en-US" altLang="ja-JP"/>
               <a:t>5 </a:t>
             </a:r>
             <a:r>
-              <a:rPr lang="ja-JP" altLang="en-US" smtClean="0"/>
+              <a:rPr lang="ja-JP" altLang="en-US"/>
               <a:t>レベル</a:t>
             </a:r>
             <a:endParaRPr lang="en-US" dirty="0"/>
@@ -2049,7 +2041,7 @@
           <a:p>
             <a:fld id="{7BF98B17-CE4C-42DD-AEDB-B62939FBF2E8}" type="datetimeFigureOut">
               <a:rPr kumimoji="1" lang="ja-JP" altLang="en-US" smtClean="0"/>
-              <a:t>2018/12/6</a:t>
+              <a:t>2021/11/17</a:t>
             </a:fld>
             <a:endParaRPr kumimoji="1" lang="ja-JP" altLang="en-US"/>
           </a:p>
@@ -2152,7 +2144,7 @@
           </a:lstStyle>
           <a:p>
             <a:r>
-              <a:rPr lang="ja-JP" altLang="en-US" smtClean="0"/>
+              <a:rPr lang="ja-JP" altLang="en-US"/>
               <a:t>マスター タイトルの書式設定</a:t>
             </a:r>
             <a:endParaRPr lang="en-US" dirty="0"/>
@@ -2169,13 +2161,6 @@
   <p:clrMapOvr>
     <a:masterClrMapping/>
   </p:clrMapOvr>
-  <p:timing>
-    <p:tnLst>
-      <p:par>
-        <p:cTn id="1" dur="indefinite" restart="never" nodeType="tmRoot"/>
-      </p:par>
-    </p:tnLst>
-  </p:timing>
 </p:sldLayout>
 </file>
 
@@ -2221,7 +2206,7 @@
           </a:lstStyle>
           <a:p>
             <a:r>
-              <a:rPr lang="ja-JP" altLang="en-US" smtClean="0"/>
+              <a:rPr lang="ja-JP" altLang="en-US"/>
               <a:t>マスター タイトルの書式設定</a:t>
             </a:r>
             <a:endParaRPr lang="en-US" dirty="0"/>
@@ -2341,7 +2326,7 @@
           <a:p>
             <a:pPr lvl="0"/>
             <a:r>
-              <a:rPr lang="ja-JP" altLang="en-US" smtClean="0"/>
+              <a:rPr lang="ja-JP" altLang="en-US"/>
               <a:t>マスター テキストの書式設定</a:t>
             </a:r>
           </a:p>
@@ -2364,7 +2349,7 @@
           <a:p>
             <a:fld id="{7BF98B17-CE4C-42DD-AEDB-B62939FBF2E8}" type="datetimeFigureOut">
               <a:rPr kumimoji="1" lang="ja-JP" altLang="en-US" smtClean="0"/>
-              <a:t>2018/12/6</a:t>
+              <a:t>2021/11/17</a:t>
             </a:fld>
             <a:endParaRPr kumimoji="1" lang="ja-JP" altLang="en-US"/>
           </a:p>
@@ -2458,7 +2443,7 @@
           <a:lstStyle/>
           <a:p>
             <a:r>
-              <a:rPr lang="ja-JP" altLang="en-US" smtClean="0"/>
+              <a:rPr lang="ja-JP" altLang="en-US"/>
               <a:t>マスター タイトルの書式設定</a:t>
             </a:r>
             <a:endParaRPr lang="en-US" dirty="0"/>
@@ -2487,67 +2472,67 @@
           <a:p>
             <a:pPr lvl="0"/>
             <a:r>
-              <a:rPr lang="ja-JP" altLang="en-US" smtClean="0"/>
+              <a:rPr lang="ja-JP" altLang="en-US"/>
               <a:t>マスター テキストの書式設定</a:t>
             </a:r>
           </a:p>
           <a:p>
             <a:pPr lvl="1"/>
             <a:r>
-              <a:rPr lang="ja-JP" altLang="en-US" smtClean="0"/>
+              <a:rPr lang="ja-JP" altLang="en-US"/>
               <a:t>第 </a:t>
             </a:r>
             <a:r>
-              <a:rPr lang="en-US" altLang="ja-JP" smtClean="0"/>
+              <a:rPr lang="en-US" altLang="ja-JP"/>
               <a:t>2 </a:t>
             </a:r>
             <a:r>
-              <a:rPr lang="ja-JP" altLang="en-US" smtClean="0"/>
+              <a:rPr lang="ja-JP" altLang="en-US"/>
               <a:t>レベル</a:t>
             </a:r>
           </a:p>
           <a:p>
             <a:pPr lvl="2"/>
             <a:r>
-              <a:rPr lang="ja-JP" altLang="en-US" smtClean="0"/>
+              <a:rPr lang="ja-JP" altLang="en-US"/>
               <a:t>第 </a:t>
             </a:r>
             <a:r>
-              <a:rPr lang="en-US" altLang="ja-JP" smtClean="0"/>
+              <a:rPr lang="en-US" altLang="ja-JP"/>
               <a:t>3 </a:t>
             </a:r>
             <a:r>
-              <a:rPr lang="ja-JP" altLang="en-US" smtClean="0"/>
+              <a:rPr lang="ja-JP" altLang="en-US"/>
               <a:t>レベル</a:t>
             </a:r>
           </a:p>
           <a:p>
             <a:pPr lvl="3"/>
             <a:r>
-              <a:rPr lang="ja-JP" altLang="en-US" smtClean="0"/>
+              <a:rPr lang="ja-JP" altLang="en-US"/>
               <a:t>第 </a:t>
             </a:r>
             <a:r>
-              <a:rPr lang="en-US" altLang="ja-JP" smtClean="0"/>
+              <a:rPr lang="en-US" altLang="ja-JP"/>
               <a:t>4 </a:t>
             </a:r>
             <a:r>
-              <a:rPr lang="ja-JP" altLang="en-US" smtClean="0"/>
+              <a:rPr lang="ja-JP" altLang="en-US"/>
               <a:t>レベル</a:t>
             </a:r>
           </a:p>
           <a:p>
             <a:pPr lvl="4"/>
             <a:r>
-              <a:rPr lang="ja-JP" altLang="en-US" smtClean="0"/>
+              <a:rPr lang="ja-JP" altLang="en-US"/>
               <a:t>第 </a:t>
             </a:r>
             <a:r>
-              <a:rPr lang="en-US" altLang="ja-JP" smtClean="0"/>
+              <a:rPr lang="en-US" altLang="ja-JP"/>
               <a:t>5 </a:t>
             </a:r>
             <a:r>
-              <a:rPr lang="ja-JP" altLang="en-US" smtClean="0"/>
+              <a:rPr lang="ja-JP" altLang="en-US"/>
               <a:t>レベル</a:t>
             </a:r>
             <a:endParaRPr lang="en-US" dirty="0"/>
@@ -2576,67 +2561,67 @@
           <a:p>
             <a:pPr lvl="0"/>
             <a:r>
-              <a:rPr lang="ja-JP" altLang="en-US" smtClean="0"/>
+              <a:rPr lang="ja-JP" altLang="en-US"/>
               <a:t>マスター テキストの書式設定</a:t>
             </a:r>
           </a:p>
           <a:p>
             <a:pPr lvl="1"/>
             <a:r>
-              <a:rPr lang="ja-JP" altLang="en-US" smtClean="0"/>
+              <a:rPr lang="ja-JP" altLang="en-US"/>
               <a:t>第 </a:t>
             </a:r>
             <a:r>
-              <a:rPr lang="en-US" altLang="ja-JP" smtClean="0"/>
+              <a:rPr lang="en-US" altLang="ja-JP"/>
               <a:t>2 </a:t>
             </a:r>
             <a:r>
-              <a:rPr lang="ja-JP" altLang="en-US" smtClean="0"/>
+              <a:rPr lang="ja-JP" altLang="en-US"/>
               <a:t>レベル</a:t>
             </a:r>
           </a:p>
           <a:p>
             <a:pPr lvl="2"/>
             <a:r>
-              <a:rPr lang="ja-JP" altLang="en-US" smtClean="0"/>
+              <a:rPr lang="ja-JP" altLang="en-US"/>
               <a:t>第 </a:t>
             </a:r>
             <a:r>
-              <a:rPr lang="en-US" altLang="ja-JP" smtClean="0"/>
+              <a:rPr lang="en-US" altLang="ja-JP"/>
               <a:t>3 </a:t>
             </a:r>
             <a:r>
-              <a:rPr lang="ja-JP" altLang="en-US" smtClean="0"/>
+              <a:rPr lang="ja-JP" altLang="en-US"/>
               <a:t>レベル</a:t>
             </a:r>
           </a:p>
           <a:p>
             <a:pPr lvl="3"/>
             <a:r>
-              <a:rPr lang="ja-JP" altLang="en-US" smtClean="0"/>
+              <a:rPr lang="ja-JP" altLang="en-US"/>
               <a:t>第 </a:t>
             </a:r>
             <a:r>
-              <a:rPr lang="en-US" altLang="ja-JP" smtClean="0"/>
+              <a:rPr lang="en-US" altLang="ja-JP"/>
               <a:t>4 </a:t>
             </a:r>
             <a:r>
-              <a:rPr lang="ja-JP" altLang="en-US" smtClean="0"/>
+              <a:rPr lang="ja-JP" altLang="en-US"/>
               <a:t>レベル</a:t>
             </a:r>
           </a:p>
           <a:p>
             <a:pPr lvl="4"/>
             <a:r>
-              <a:rPr lang="ja-JP" altLang="en-US" smtClean="0"/>
+              <a:rPr lang="ja-JP" altLang="en-US"/>
               <a:t>第 </a:t>
             </a:r>
             <a:r>
-              <a:rPr lang="en-US" altLang="ja-JP" smtClean="0"/>
+              <a:rPr lang="en-US" altLang="ja-JP"/>
               <a:t>5 </a:t>
             </a:r>
             <a:r>
-              <a:rPr lang="ja-JP" altLang="en-US" smtClean="0"/>
+              <a:rPr lang="ja-JP" altLang="en-US"/>
               <a:t>レベル</a:t>
             </a:r>
             <a:endParaRPr lang="en-US" dirty="0"/>
@@ -2660,7 +2645,7 @@
           <a:p>
             <a:fld id="{7BF98B17-CE4C-42DD-AEDB-B62939FBF2E8}" type="datetimeFigureOut">
               <a:rPr kumimoji="1" lang="ja-JP" altLang="en-US" smtClean="0"/>
-              <a:t>2018/12/6</a:t>
+              <a:t>2021/11/17</a:t>
             </a:fld>
             <a:endParaRPr kumimoji="1" lang="ja-JP" altLang="en-US"/>
           </a:p>
@@ -2759,7 +2744,7 @@
           <a:lstStyle/>
           <a:p>
             <a:r>
-              <a:rPr lang="ja-JP" altLang="en-US" smtClean="0"/>
+              <a:rPr lang="ja-JP" altLang="en-US"/>
               <a:t>マスター タイトルの書式設定</a:t>
             </a:r>
             <a:endParaRPr lang="en-US" dirty="0"/>
@@ -2825,7 +2810,7 @@
           <a:p>
             <a:pPr lvl="0"/>
             <a:r>
-              <a:rPr lang="ja-JP" altLang="en-US" smtClean="0"/>
+              <a:rPr lang="ja-JP" altLang="en-US"/>
               <a:t>マスター テキストの書式設定</a:t>
             </a:r>
           </a:p>
@@ -2853,67 +2838,67 @@
           <a:p>
             <a:pPr lvl="0"/>
             <a:r>
-              <a:rPr lang="ja-JP" altLang="en-US" smtClean="0"/>
+              <a:rPr lang="ja-JP" altLang="en-US"/>
               <a:t>マスター テキストの書式設定</a:t>
             </a:r>
           </a:p>
           <a:p>
             <a:pPr lvl="1"/>
             <a:r>
-              <a:rPr lang="ja-JP" altLang="en-US" smtClean="0"/>
+              <a:rPr lang="ja-JP" altLang="en-US"/>
               <a:t>第 </a:t>
             </a:r>
             <a:r>
-              <a:rPr lang="en-US" altLang="ja-JP" smtClean="0"/>
+              <a:rPr lang="en-US" altLang="ja-JP"/>
               <a:t>2 </a:t>
             </a:r>
             <a:r>
-              <a:rPr lang="ja-JP" altLang="en-US" smtClean="0"/>
+              <a:rPr lang="ja-JP" altLang="en-US"/>
               <a:t>レベル</a:t>
             </a:r>
           </a:p>
           <a:p>
             <a:pPr lvl="2"/>
             <a:r>
-              <a:rPr lang="ja-JP" altLang="en-US" smtClean="0"/>
+              <a:rPr lang="ja-JP" altLang="en-US"/>
               <a:t>第 </a:t>
             </a:r>
             <a:r>
-              <a:rPr lang="en-US" altLang="ja-JP" smtClean="0"/>
+              <a:rPr lang="en-US" altLang="ja-JP"/>
               <a:t>3 </a:t>
             </a:r>
             <a:r>
-              <a:rPr lang="ja-JP" altLang="en-US" smtClean="0"/>
+              <a:rPr lang="ja-JP" altLang="en-US"/>
               <a:t>レベル</a:t>
             </a:r>
           </a:p>
           <a:p>
             <a:pPr lvl="3"/>
             <a:r>
-              <a:rPr lang="ja-JP" altLang="en-US" smtClean="0"/>
+              <a:rPr lang="ja-JP" altLang="en-US"/>
               <a:t>第 </a:t>
             </a:r>
             <a:r>
-              <a:rPr lang="en-US" altLang="ja-JP" smtClean="0"/>
+              <a:rPr lang="en-US" altLang="ja-JP"/>
               <a:t>4 </a:t>
             </a:r>
             <a:r>
-              <a:rPr lang="ja-JP" altLang="en-US" smtClean="0"/>
+              <a:rPr lang="ja-JP" altLang="en-US"/>
               <a:t>レベル</a:t>
             </a:r>
           </a:p>
           <a:p>
             <a:pPr lvl="4"/>
             <a:r>
-              <a:rPr lang="ja-JP" altLang="en-US" smtClean="0"/>
+              <a:rPr lang="ja-JP" altLang="en-US"/>
               <a:t>第 </a:t>
             </a:r>
             <a:r>
-              <a:rPr lang="en-US" altLang="ja-JP" smtClean="0"/>
+              <a:rPr lang="en-US" altLang="ja-JP"/>
               <a:t>5 </a:t>
             </a:r>
             <a:r>
-              <a:rPr lang="ja-JP" altLang="en-US" smtClean="0"/>
+              <a:rPr lang="ja-JP" altLang="en-US"/>
               <a:t>レベル</a:t>
             </a:r>
             <a:endParaRPr lang="en-US" dirty="0"/>
@@ -2979,7 +2964,7 @@
           <a:p>
             <a:pPr lvl="0"/>
             <a:r>
-              <a:rPr lang="ja-JP" altLang="en-US" smtClean="0"/>
+              <a:rPr lang="ja-JP" altLang="en-US"/>
               <a:t>マスター テキストの書式設定</a:t>
             </a:r>
           </a:p>
@@ -3007,67 +2992,67 @@
           <a:p>
             <a:pPr lvl="0"/>
             <a:r>
-              <a:rPr lang="ja-JP" altLang="en-US" smtClean="0"/>
+              <a:rPr lang="ja-JP" altLang="en-US"/>
               <a:t>マスター テキストの書式設定</a:t>
             </a:r>
           </a:p>
           <a:p>
             <a:pPr lvl="1"/>
             <a:r>
-              <a:rPr lang="ja-JP" altLang="en-US" smtClean="0"/>
+              <a:rPr lang="ja-JP" altLang="en-US"/>
               <a:t>第 </a:t>
             </a:r>
             <a:r>
-              <a:rPr lang="en-US" altLang="ja-JP" smtClean="0"/>
+              <a:rPr lang="en-US" altLang="ja-JP"/>
               <a:t>2 </a:t>
             </a:r>
             <a:r>
-              <a:rPr lang="ja-JP" altLang="en-US" smtClean="0"/>
+              <a:rPr lang="ja-JP" altLang="en-US"/>
               <a:t>レベル</a:t>
             </a:r>
           </a:p>
           <a:p>
             <a:pPr lvl="2"/>
             <a:r>
-              <a:rPr lang="ja-JP" altLang="en-US" smtClean="0"/>
+              <a:rPr lang="ja-JP" altLang="en-US"/>
               <a:t>第 </a:t>
             </a:r>
             <a:r>
-              <a:rPr lang="en-US" altLang="ja-JP" smtClean="0"/>
+              <a:rPr lang="en-US" altLang="ja-JP"/>
               <a:t>3 </a:t>
             </a:r>
             <a:r>
-              <a:rPr lang="ja-JP" altLang="en-US" smtClean="0"/>
+              <a:rPr lang="ja-JP" altLang="en-US"/>
               <a:t>レベル</a:t>
             </a:r>
           </a:p>
           <a:p>
             <a:pPr lvl="3"/>
             <a:r>
-              <a:rPr lang="ja-JP" altLang="en-US" smtClean="0"/>
+              <a:rPr lang="ja-JP" altLang="en-US"/>
               <a:t>第 </a:t>
             </a:r>
             <a:r>
-              <a:rPr lang="en-US" altLang="ja-JP" smtClean="0"/>
+              <a:rPr lang="en-US" altLang="ja-JP"/>
               <a:t>4 </a:t>
             </a:r>
             <a:r>
-              <a:rPr lang="ja-JP" altLang="en-US" smtClean="0"/>
+              <a:rPr lang="ja-JP" altLang="en-US"/>
               <a:t>レベル</a:t>
             </a:r>
           </a:p>
           <a:p>
             <a:pPr lvl="4"/>
             <a:r>
-              <a:rPr lang="ja-JP" altLang="en-US" smtClean="0"/>
+              <a:rPr lang="ja-JP" altLang="en-US"/>
               <a:t>第 </a:t>
             </a:r>
             <a:r>
-              <a:rPr lang="en-US" altLang="ja-JP" smtClean="0"/>
+              <a:rPr lang="en-US" altLang="ja-JP"/>
               <a:t>5 </a:t>
             </a:r>
             <a:r>
-              <a:rPr lang="ja-JP" altLang="en-US" smtClean="0"/>
+              <a:rPr lang="ja-JP" altLang="en-US"/>
               <a:t>レベル</a:t>
             </a:r>
             <a:endParaRPr lang="en-US" dirty="0"/>
@@ -3091,7 +3076,7 @@
           <a:p>
             <a:fld id="{7BF98B17-CE4C-42DD-AEDB-B62939FBF2E8}" type="datetimeFigureOut">
               <a:rPr kumimoji="1" lang="ja-JP" altLang="en-US" smtClean="0"/>
-              <a:t>2018/12/6</a:t>
+              <a:t>2021/11/17</a:t>
             </a:fld>
             <a:endParaRPr kumimoji="1" lang="ja-JP" altLang="en-US"/>
           </a:p>
@@ -3185,7 +3170,7 @@
           <a:lstStyle/>
           <a:p>
             <a:r>
-              <a:rPr lang="ja-JP" altLang="en-US" smtClean="0"/>
+              <a:rPr lang="ja-JP" altLang="en-US"/>
               <a:t>マスター タイトルの書式設定</a:t>
             </a:r>
             <a:endParaRPr lang="en-US" dirty="0"/>
@@ -3209,7 +3194,7 @@
           <a:p>
             <a:fld id="{7BF98B17-CE4C-42DD-AEDB-B62939FBF2E8}" type="datetimeFigureOut">
               <a:rPr kumimoji="1" lang="ja-JP" altLang="en-US" smtClean="0"/>
-              <a:t>2018/12/6</a:t>
+              <a:t>2021/11/17</a:t>
             </a:fld>
             <a:endParaRPr kumimoji="1" lang="ja-JP" altLang="en-US"/>
           </a:p>
@@ -3304,7 +3289,7 @@
           <a:p>
             <a:fld id="{7BF98B17-CE4C-42DD-AEDB-B62939FBF2E8}" type="datetimeFigureOut">
               <a:rPr kumimoji="1" lang="ja-JP" altLang="en-US" smtClean="0"/>
-              <a:t>2018/12/6</a:t>
+              <a:t>2021/11/17</a:t>
             </a:fld>
             <a:endParaRPr kumimoji="1" lang="ja-JP" altLang="en-US"/>
           </a:p>
@@ -3407,7 +3392,7 @@
           </a:lstStyle>
           <a:p>
             <a:r>
-              <a:rPr lang="ja-JP" altLang="en-US" smtClean="0"/>
+              <a:rPr lang="ja-JP" altLang="en-US"/>
               <a:t>マスター タイトルの書式設定</a:t>
             </a:r>
             <a:endParaRPr lang="en-US" dirty="0"/>
@@ -3464,67 +3449,67 @@
           <a:p>
             <a:pPr lvl="0"/>
             <a:r>
-              <a:rPr lang="ja-JP" altLang="en-US" smtClean="0"/>
+              <a:rPr lang="ja-JP" altLang="en-US"/>
               <a:t>マスター テキストの書式設定</a:t>
             </a:r>
           </a:p>
           <a:p>
             <a:pPr lvl="1"/>
             <a:r>
-              <a:rPr lang="ja-JP" altLang="en-US" smtClean="0"/>
+              <a:rPr lang="ja-JP" altLang="en-US"/>
               <a:t>第 </a:t>
             </a:r>
             <a:r>
-              <a:rPr lang="en-US" altLang="ja-JP" smtClean="0"/>
+              <a:rPr lang="en-US" altLang="ja-JP"/>
               <a:t>2 </a:t>
             </a:r>
             <a:r>
-              <a:rPr lang="ja-JP" altLang="en-US" smtClean="0"/>
+              <a:rPr lang="ja-JP" altLang="en-US"/>
               <a:t>レベル</a:t>
             </a:r>
           </a:p>
           <a:p>
             <a:pPr lvl="2"/>
             <a:r>
-              <a:rPr lang="ja-JP" altLang="en-US" smtClean="0"/>
+              <a:rPr lang="ja-JP" altLang="en-US"/>
               <a:t>第 </a:t>
             </a:r>
             <a:r>
-              <a:rPr lang="en-US" altLang="ja-JP" smtClean="0"/>
+              <a:rPr lang="en-US" altLang="ja-JP"/>
               <a:t>3 </a:t>
             </a:r>
             <a:r>
-              <a:rPr lang="ja-JP" altLang="en-US" smtClean="0"/>
+              <a:rPr lang="ja-JP" altLang="en-US"/>
               <a:t>レベル</a:t>
             </a:r>
           </a:p>
           <a:p>
             <a:pPr lvl="3"/>
             <a:r>
-              <a:rPr lang="ja-JP" altLang="en-US" smtClean="0"/>
+              <a:rPr lang="ja-JP" altLang="en-US"/>
               <a:t>第 </a:t>
             </a:r>
             <a:r>
-              <a:rPr lang="en-US" altLang="ja-JP" smtClean="0"/>
+              <a:rPr lang="en-US" altLang="ja-JP"/>
               <a:t>4 </a:t>
             </a:r>
             <a:r>
-              <a:rPr lang="ja-JP" altLang="en-US" smtClean="0"/>
+              <a:rPr lang="ja-JP" altLang="en-US"/>
               <a:t>レベル</a:t>
             </a:r>
           </a:p>
           <a:p>
             <a:pPr lvl="4"/>
             <a:r>
-              <a:rPr lang="ja-JP" altLang="en-US" smtClean="0"/>
+              <a:rPr lang="ja-JP" altLang="en-US"/>
               <a:t>第 </a:t>
             </a:r>
             <a:r>
-              <a:rPr lang="en-US" altLang="ja-JP" smtClean="0"/>
+              <a:rPr lang="en-US" altLang="ja-JP"/>
               <a:t>5 </a:t>
             </a:r>
             <a:r>
-              <a:rPr lang="ja-JP" altLang="en-US" smtClean="0"/>
+              <a:rPr lang="ja-JP" altLang="en-US"/>
               <a:t>レベル</a:t>
             </a:r>
             <a:endParaRPr lang="en-US" dirty="0"/>
@@ -3590,7 +3575,7 @@
           <a:p>
             <a:pPr lvl="0"/>
             <a:r>
-              <a:rPr lang="ja-JP" altLang="en-US" smtClean="0"/>
+              <a:rPr lang="ja-JP" altLang="en-US"/>
               <a:t>マスター テキストの書式設定</a:t>
             </a:r>
           </a:p>
@@ -3613,7 +3598,7 @@
           <a:p>
             <a:fld id="{7BF98B17-CE4C-42DD-AEDB-B62939FBF2E8}" type="datetimeFigureOut">
               <a:rPr kumimoji="1" lang="ja-JP" altLang="en-US" smtClean="0"/>
-              <a:t>2018/12/6</a:t>
+              <a:t>2021/11/17</a:t>
             </a:fld>
             <a:endParaRPr kumimoji="1" lang="ja-JP" altLang="en-US"/>
           </a:p>
@@ -3716,7 +3701,7 @@
           </a:lstStyle>
           <a:p>
             <a:r>
-              <a:rPr lang="ja-JP" altLang="en-US" smtClean="0"/>
+              <a:rPr lang="ja-JP" altLang="en-US"/>
               <a:t>マスター タイトルの書式設定</a:t>
             </a:r>
             <a:endParaRPr lang="en-US" dirty="0"/>
@@ -3781,7 +3766,7 @@
           </a:lstStyle>
           <a:p>
             <a:r>
-              <a:rPr lang="ja-JP" altLang="en-US" smtClean="0"/>
+              <a:rPr lang="ja-JP" altLang="en-US"/>
               <a:t>図を追加</a:t>
             </a:r>
             <a:endParaRPr lang="en-US" dirty="0"/>
@@ -3847,7 +3832,7 @@
           <a:p>
             <a:pPr lvl="0"/>
             <a:r>
-              <a:rPr lang="ja-JP" altLang="en-US" smtClean="0"/>
+              <a:rPr lang="ja-JP" altLang="en-US"/>
               <a:t>マスター テキストの書式設定</a:t>
             </a:r>
           </a:p>
@@ -3870,7 +3855,7 @@
           <a:p>
             <a:fld id="{7BF98B17-CE4C-42DD-AEDB-B62939FBF2E8}" type="datetimeFigureOut">
               <a:rPr kumimoji="1" lang="ja-JP" altLang="en-US" smtClean="0"/>
-              <a:t>2018/12/6</a:t>
+              <a:t>2021/11/17</a:t>
             </a:fld>
             <a:endParaRPr kumimoji="1" lang="ja-JP" altLang="en-US"/>
           </a:p>
@@ -3979,7 +3964,7 @@
           <a:lstStyle/>
           <a:p>
             <a:r>
-              <a:rPr lang="ja-JP" altLang="en-US" smtClean="0"/>
+              <a:rPr lang="ja-JP" altLang="en-US"/>
               <a:t>マスター タイトルの書式設定</a:t>
             </a:r>
             <a:endParaRPr lang="en-US" dirty="0"/>
@@ -4013,67 +3998,67 @@
           <a:p>
             <a:pPr lvl="0"/>
             <a:r>
-              <a:rPr lang="ja-JP" altLang="en-US" smtClean="0"/>
+              <a:rPr lang="ja-JP" altLang="en-US"/>
               <a:t>マスター テキストの書式設定</a:t>
             </a:r>
           </a:p>
           <a:p>
             <a:pPr lvl="1"/>
             <a:r>
-              <a:rPr lang="ja-JP" altLang="en-US" smtClean="0"/>
+              <a:rPr lang="ja-JP" altLang="en-US"/>
               <a:t>第 </a:t>
             </a:r>
             <a:r>
-              <a:rPr lang="en-US" altLang="ja-JP" smtClean="0"/>
+              <a:rPr lang="en-US" altLang="ja-JP"/>
               <a:t>2 </a:t>
             </a:r>
             <a:r>
-              <a:rPr lang="ja-JP" altLang="en-US" smtClean="0"/>
+              <a:rPr lang="ja-JP" altLang="en-US"/>
               <a:t>レベル</a:t>
             </a:r>
           </a:p>
           <a:p>
             <a:pPr lvl="2"/>
             <a:r>
-              <a:rPr lang="ja-JP" altLang="en-US" smtClean="0"/>
+              <a:rPr lang="ja-JP" altLang="en-US"/>
               <a:t>第 </a:t>
             </a:r>
             <a:r>
-              <a:rPr lang="en-US" altLang="ja-JP" smtClean="0"/>
+              <a:rPr lang="en-US" altLang="ja-JP"/>
               <a:t>3 </a:t>
             </a:r>
             <a:r>
-              <a:rPr lang="ja-JP" altLang="en-US" smtClean="0"/>
+              <a:rPr lang="ja-JP" altLang="en-US"/>
               <a:t>レベル</a:t>
             </a:r>
           </a:p>
           <a:p>
             <a:pPr lvl="3"/>
             <a:r>
-              <a:rPr lang="ja-JP" altLang="en-US" smtClean="0"/>
+              <a:rPr lang="ja-JP" altLang="en-US"/>
               <a:t>第 </a:t>
             </a:r>
             <a:r>
-              <a:rPr lang="en-US" altLang="ja-JP" smtClean="0"/>
+              <a:rPr lang="en-US" altLang="ja-JP"/>
               <a:t>4 </a:t>
             </a:r>
             <a:r>
-              <a:rPr lang="ja-JP" altLang="en-US" smtClean="0"/>
+              <a:rPr lang="ja-JP" altLang="en-US"/>
               <a:t>レベル</a:t>
             </a:r>
           </a:p>
           <a:p>
             <a:pPr lvl="4"/>
             <a:r>
-              <a:rPr lang="ja-JP" altLang="en-US" smtClean="0"/>
+              <a:rPr lang="ja-JP" altLang="en-US"/>
               <a:t>第 </a:t>
             </a:r>
             <a:r>
-              <a:rPr lang="en-US" altLang="ja-JP" smtClean="0"/>
+              <a:rPr lang="en-US" altLang="ja-JP"/>
               <a:t>5 </a:t>
             </a:r>
             <a:r>
-              <a:rPr lang="ja-JP" altLang="en-US" smtClean="0"/>
+              <a:rPr lang="ja-JP" altLang="en-US"/>
               <a:t>レベル</a:t>
             </a:r>
             <a:endParaRPr lang="en-US" dirty="0"/>
@@ -4115,7 +4100,7 @@
           <a:p>
             <a:fld id="{7BF98B17-CE4C-42DD-AEDB-B62939FBF2E8}" type="datetimeFigureOut">
               <a:rPr kumimoji="1" lang="ja-JP" altLang="en-US" smtClean="0"/>
-              <a:t>2018/12/6</a:t>
+              <a:t>2021/11/17</a:t>
             </a:fld>
             <a:endParaRPr kumimoji="1" lang="ja-JP" altLang="en-US"/>
           </a:p>
@@ -5403,11 +5388,11 @@
           <a:lstStyle/>
           <a:p>
             <a:r>
-              <a:rPr kumimoji="1" lang="en-US" altLang="ja-JP" sz="4000" dirty="0" smtClean="0"/>
+              <a:rPr kumimoji="1" lang="en-US" altLang="ja-JP" sz="4000" dirty="0"/>
               <a:t>GIS</a:t>
             </a:r>
             <a:r>
-              <a:rPr lang="ja-JP" altLang="en-US" sz="4000" dirty="0" smtClean="0"/>
+              <a:rPr lang="ja-JP" altLang="en-US" sz="4000" dirty="0"/>
               <a:t>の基本概念</a:t>
             </a:r>
             <a:endParaRPr kumimoji="1" lang="ja-JP" altLang="en-US" sz="4000" dirty="0"/>
@@ -5437,37 +5422,25 @@
           <a:lstStyle/>
           <a:p>
             <a:r>
-              <a:rPr kumimoji="1" lang="ja-JP" altLang="en-US" sz="1800" dirty="0" smtClean="0"/>
+              <a:rPr kumimoji="1" lang="ja-JP" altLang="en-US" sz="1800" dirty="0"/>
               <a:t>本教材は、</a:t>
             </a:r>
             <a:r>
-              <a:rPr kumimoji="1" lang="en-US" altLang="ja-JP" sz="1800" dirty="0" smtClean="0"/>
+              <a:rPr kumimoji="1" lang="en-US" altLang="ja-JP" sz="1800" dirty="0"/>
               <a:t>GIS</a:t>
             </a:r>
             <a:r>
-              <a:rPr lang="ja-JP" altLang="en-US" sz="1800" dirty="0" smtClean="0"/>
+              <a:rPr lang="ja-JP" altLang="en-US" sz="1800" dirty="0"/>
               <a:t>の基本概念を初学者向けに簡単にまとめたものです。各項目に関する詳しい解説は、こちら（</a:t>
-            </a:r>
-            <a:r>
-              <a:rPr lang="en-GB" altLang="ja-JP" sz="1800" dirty="0" smtClean="0">
-                <a:hlinkClick r:id="rId2"/>
-              </a:rPr>
-              <a:t>http</a:t>
             </a:r>
             <a:r>
               <a:rPr lang="en-GB" altLang="ja-JP" sz="1800" dirty="0">
                 <a:hlinkClick r:id="rId2"/>
               </a:rPr>
-              <a:t>://</a:t>
-            </a:r>
-            <a:r>
-              <a:rPr lang="en-GB" altLang="ja-JP" sz="1800" dirty="0" smtClean="0">
-                <a:hlinkClick r:id="rId2"/>
-              </a:rPr>
-              <a:t>curricula.csis.u-tokyo.ac.jp/bok.html</a:t>
-            </a:r>
-            <a:r>
-              <a:rPr lang="ja-JP" altLang="en-US" sz="1800" dirty="0" smtClean="0"/>
+              <a:t>http://curricula.csis.u-tokyo.ac.jp/bok.html</a:t>
+            </a:r>
+            <a:r>
+              <a:rPr lang="ja-JP" altLang="en-US" sz="1800" dirty="0"/>
               <a:t>）の教材等をご参照ください。</a:t>
             </a:r>
             <a:endParaRPr kumimoji="1" lang="ja-JP" altLang="en-US" sz="1800" dirty="0"/>
@@ -5484,13 +5457,6 @@
   <p:clrMapOvr>
     <a:masterClrMapping/>
   </p:clrMapOvr>
-  <p:timing>
-    <p:tnLst>
-      <p:par>
-        <p:cTn id="1" dur="indefinite" restart="never" nodeType="tmRoot"/>
-      </p:par>
-    </p:tnLst>
-  </p:timing>
 </p:sld>
 </file>
 
@@ -5529,7 +5495,7 @@
           <a:lstStyle/>
           <a:p>
             <a:r>
-              <a:rPr kumimoji="1" lang="en-US" altLang="ja-JP" sz="3200" b="1" dirty="0" err="1" smtClean="0">
+              <a:rPr kumimoji="1" lang="en-US" altLang="ja-JP" sz="3200" b="1" dirty="0" err="1">
                 <a:solidFill>
                   <a:srgbClr val="0070C0"/>
                 </a:solidFill>
@@ -5567,80 +5533,80 @@
           <a:lstStyle/>
           <a:p>
             <a:r>
-              <a:rPr lang="en-US" altLang="ja-JP" sz="2400" dirty="0" smtClean="0"/>
+              <a:rPr lang="en-US" altLang="ja-JP" sz="2400" dirty="0"/>
               <a:t>Web GIS</a:t>
             </a:r>
             <a:r>
-              <a:rPr lang="ja-JP" altLang="en-US" sz="2400" dirty="0" smtClean="0"/>
+              <a:rPr lang="ja-JP" altLang="en-US" sz="2400" dirty="0"/>
               <a:t>とは、</a:t>
             </a:r>
             <a:r>
-              <a:rPr lang="en-US" altLang="ja-JP" sz="2400" dirty="0" smtClean="0"/>
+              <a:rPr lang="en-US" altLang="ja-JP" sz="2400" dirty="0"/>
               <a:t>Web</a:t>
             </a:r>
             <a:r>
-              <a:rPr lang="ja-JP" altLang="en-US" sz="2400" dirty="0" smtClean="0"/>
+              <a:rPr lang="ja-JP" altLang="en-US" sz="2400" dirty="0"/>
               <a:t>上で動作する</a:t>
             </a:r>
             <a:r>
-              <a:rPr lang="en-US" altLang="ja-JP" sz="2400" dirty="0" smtClean="0"/>
+              <a:rPr lang="en-US" altLang="ja-JP" sz="2400" dirty="0"/>
               <a:t>GIS</a:t>
             </a:r>
             <a:r>
-              <a:rPr lang="ja-JP" altLang="en-US" sz="2400" dirty="0" smtClean="0"/>
+              <a:rPr lang="ja-JP" altLang="en-US" sz="2400" dirty="0"/>
               <a:t>のことである。</a:t>
             </a:r>
-            <a:endParaRPr lang="en-US" altLang="ja-JP" sz="2400" dirty="0" smtClean="0"/>
-          </a:p>
-          <a:p>
             <a:endParaRPr lang="en-US" altLang="ja-JP" sz="2400" dirty="0"/>
           </a:p>
           <a:p>
-            <a:r>
-              <a:rPr lang="ja-JP" altLang="en-US" sz="2400" dirty="0" smtClean="0"/>
+            <a:endParaRPr lang="en-US" altLang="ja-JP" sz="2400" dirty="0"/>
+          </a:p>
+          <a:p>
+            <a:r>
+              <a:rPr lang="ja-JP" altLang="en-US" sz="2400" dirty="0"/>
               <a:t>大きく分けるとサーバーで処理を行うものとデータを配信するものに分けられる。</a:t>
             </a:r>
-            <a:endParaRPr lang="en-US" altLang="ja-JP" sz="2400" dirty="0" smtClean="0"/>
-          </a:p>
-          <a:p>
             <a:endParaRPr lang="en-US" altLang="ja-JP" sz="2400" dirty="0"/>
           </a:p>
           <a:p>
-            <a:r>
-              <a:rPr lang="en-US" altLang="ja-JP" sz="2400" dirty="0" err="1" smtClean="0"/>
+            <a:endParaRPr lang="en-US" altLang="ja-JP" sz="2400" dirty="0"/>
+          </a:p>
+          <a:p>
+            <a:r>
+              <a:rPr lang="en-US" altLang="ja-JP" sz="2400" dirty="0" err="1"/>
               <a:t>WebGIS</a:t>
             </a:r>
             <a:r>
-              <a:rPr lang="ja-JP" altLang="en-US" sz="2400" dirty="0" smtClean="0"/>
+              <a:rPr lang="ja-JP" altLang="en-US" sz="2400" dirty="0"/>
               <a:t>の利点として、</a:t>
             </a:r>
             <a:r>
-              <a:rPr lang="en-US" altLang="ja-JP" sz="2400" dirty="0" smtClean="0"/>
+              <a:rPr lang="en-US" altLang="ja-JP" sz="2400" dirty="0"/>
               <a:t>GIS</a:t>
             </a:r>
             <a:r>
-              <a:rPr lang="ja-JP" altLang="en-US" sz="2400" dirty="0" smtClean="0"/>
+              <a:rPr lang="ja-JP" altLang="en-US" sz="2400" dirty="0"/>
               <a:t>ソフトウェアのインストールが不要であることがあげられる。</a:t>
             </a:r>
-            <a:endParaRPr lang="en-US" altLang="ja-JP" sz="2400" dirty="0" smtClean="0"/>
-          </a:p>
-          <a:p>
             <a:endParaRPr lang="en-US" altLang="ja-JP" sz="2400" dirty="0"/>
           </a:p>
           <a:p>
-            <a:r>
-              <a:rPr lang="ja-JP" altLang="en-US" sz="2400" dirty="0" smtClean="0"/>
+            <a:endParaRPr lang="en-US" altLang="ja-JP" sz="2400" dirty="0"/>
+          </a:p>
+          <a:p>
+            <a:r>
+              <a:rPr lang="ja-JP" altLang="en-US" sz="2400" dirty="0"/>
               <a:t>最近では、行政や企業が情報を発信する以外に、個人レベル地図を作成し</a:t>
             </a:r>
             <a:r>
-              <a:rPr lang="en-US" altLang="ja-JP" sz="2400" dirty="0" smtClean="0"/>
+              <a:rPr lang="en-US" altLang="ja-JP" sz="2400" dirty="0"/>
               <a:t>Web</a:t>
             </a:r>
             <a:r>
-              <a:rPr lang="ja-JP" altLang="en-US" sz="2400" dirty="0" smtClean="0"/>
+              <a:rPr lang="ja-JP" altLang="en-US" sz="2400" dirty="0"/>
               <a:t>で配信する事例もみられる。</a:t>
             </a:r>
-            <a:endParaRPr lang="en-US" altLang="ja-JP" sz="2400" dirty="0" smtClean="0"/>
+            <a:endParaRPr lang="en-US" altLang="ja-JP" sz="2400" dirty="0"/>
           </a:p>
         </p:txBody>
       </p:sp>
@@ -5836,7 +5802,7 @@
           <a:lstStyle/>
           <a:p>
             <a:r>
-              <a:rPr kumimoji="1" lang="en-US" altLang="ja-JP" sz="3200" b="1" dirty="0" smtClean="0">
+              <a:rPr kumimoji="1" lang="en-US" altLang="ja-JP" sz="3200" b="1" dirty="0">
                 <a:solidFill>
                   <a:srgbClr val="0070C0"/>
                 </a:solidFill>
@@ -5844,18 +5810,13 @@
               <a:t>GIS</a:t>
             </a:r>
             <a:r>
-              <a:rPr kumimoji="1" lang="ja-JP" altLang="en-US" sz="3200" b="1" dirty="0" smtClean="0">
+              <a:rPr kumimoji="1" lang="ja-JP" altLang="en-US" sz="3200" b="1" dirty="0">
                 <a:solidFill>
                   <a:srgbClr val="0070C0"/>
                 </a:solidFill>
               </a:rPr>
               <a:t>とは？</a:t>
             </a:r>
-            <a:endParaRPr kumimoji="1" lang="ja-JP" altLang="en-US" sz="3200" b="1" dirty="0">
-              <a:solidFill>
-                <a:srgbClr val="0070C0"/>
-              </a:solidFill>
-            </a:endParaRPr>
           </a:p>
         </p:txBody>
       </p:sp>
@@ -5882,54 +5843,46 @@
           <a:lstStyle/>
           <a:p>
             <a:r>
-              <a:rPr kumimoji="1" lang="en-US" altLang="ja-JP" sz="2400" dirty="0" smtClean="0"/>
+              <a:rPr kumimoji="1" lang="en-US" altLang="ja-JP" sz="2400" dirty="0"/>
               <a:t>GIS</a:t>
             </a:r>
             <a:r>
-              <a:rPr lang="ja-JP" altLang="en-US" sz="2400" dirty="0" smtClean="0"/>
+              <a:rPr lang="ja-JP" altLang="en-US" sz="2400" dirty="0"/>
               <a:t>は、</a:t>
             </a:r>
             <a:r>
-              <a:rPr lang="en-US" altLang="ja-JP" sz="2400" dirty="0" smtClean="0"/>
+              <a:rPr lang="en-US" altLang="ja-JP" sz="2400" dirty="0"/>
               <a:t>Geographic Information System </a:t>
             </a:r>
             <a:r>
-              <a:rPr lang="ja-JP" altLang="en-US" sz="2400" dirty="0" smtClean="0"/>
+              <a:rPr lang="ja-JP" altLang="en-US" sz="2400" dirty="0"/>
               <a:t>の頭文字をとったものであり、コンピューターを用いて、地理空間情報（地理空間データ）を、可視化、作成、編集、検索、分析する際に用いられるものである。</a:t>
             </a:r>
-            <a:endParaRPr lang="en-US" altLang="ja-JP" sz="2400" dirty="0" smtClean="0"/>
+            <a:endParaRPr lang="en-US" altLang="ja-JP" sz="2400" dirty="0"/>
           </a:p>
           <a:p>
             <a:endParaRPr kumimoji="1" lang="en-US" altLang="ja-JP" sz="2400" dirty="0"/>
           </a:p>
           <a:p>
             <a:r>
-              <a:rPr lang="ja-JP" altLang="en-US" sz="2400" dirty="0" smtClean="0"/>
-              <a:t>地理空間情報とは、</a:t>
-            </a:r>
-            <a:r>
               <a:rPr lang="ja-JP" altLang="en-US" sz="2400" dirty="0"/>
-              <a:t>位置</a:t>
-            </a:r>
-            <a:r>
-              <a:rPr lang="ja-JP" altLang="en-US" sz="2400" dirty="0" smtClean="0"/>
-              <a:t>情報をもった、人間（社会・経済・文化等）及び自然環境に関する情報のことである。</a:t>
-            </a:r>
-            <a:endParaRPr lang="en-US" altLang="ja-JP" sz="2400" dirty="0" smtClean="0"/>
-          </a:p>
-          <a:p>
+              <a:t>地理空間情報とは、位置情報をもった、人間（社会・経済・文化等）及び自然環境に関する情報のことである。</a:t>
+            </a:r>
             <a:endParaRPr lang="en-US" altLang="ja-JP" sz="2400" dirty="0"/>
           </a:p>
           <a:p>
-            <a:r>
-              <a:rPr lang="en-US" altLang="ja-JP" sz="2400" dirty="0" smtClean="0"/>
+            <a:endParaRPr lang="en-US" altLang="ja-JP" sz="2400" dirty="0"/>
+          </a:p>
+          <a:p>
+            <a:r>
+              <a:rPr lang="en-US" altLang="ja-JP" sz="2400" dirty="0"/>
               <a:t>GIS</a:t>
             </a:r>
             <a:r>
-              <a:rPr lang="ja-JP" altLang="en-US" sz="2400" dirty="0" smtClean="0"/>
+              <a:rPr lang="ja-JP" altLang="en-US" sz="2400" dirty="0"/>
               <a:t>では、地理空間情報をデータとして表現し、コンピューターで処理を行う。</a:t>
             </a:r>
-            <a:endParaRPr kumimoji="1" lang="en-US" altLang="ja-JP" sz="2400" dirty="0" smtClean="0"/>
+            <a:endParaRPr kumimoji="1" lang="en-US" altLang="ja-JP" sz="2400" dirty="0"/>
           </a:p>
         </p:txBody>
       </p:sp>
@@ -6089,7 +6042,7 @@
           <a:lstStyle/>
           <a:p>
             <a:r>
-              <a:rPr kumimoji="1" lang="en-US" altLang="ja-JP" sz="3200" b="1" dirty="0" smtClean="0">
+              <a:rPr kumimoji="1" lang="en-US" altLang="ja-JP" sz="3200" b="1" dirty="0">
                 <a:solidFill>
                   <a:srgbClr val="0070C0"/>
                 </a:solidFill>
@@ -6097,18 +6050,13 @@
               <a:t>GIS</a:t>
             </a:r>
             <a:r>
-              <a:rPr kumimoji="1" lang="ja-JP" altLang="en-US" sz="3200" b="1" dirty="0" smtClean="0">
+              <a:rPr kumimoji="1" lang="ja-JP" altLang="en-US" sz="3200" b="1" dirty="0">
                 <a:solidFill>
                   <a:srgbClr val="0070C0"/>
                 </a:solidFill>
               </a:rPr>
               <a:t>とソフトウェア</a:t>
             </a:r>
-            <a:endParaRPr kumimoji="1" lang="ja-JP" altLang="en-US" sz="3200" b="1" dirty="0">
-              <a:solidFill>
-                <a:srgbClr val="0070C0"/>
-              </a:solidFill>
-            </a:endParaRPr>
           </a:p>
         </p:txBody>
       </p:sp>
@@ -6135,90 +6083,70 @@
           <a:lstStyle/>
           <a:p>
             <a:r>
-              <a:rPr lang="en-US" altLang="ja-JP" sz="2400" dirty="0" smtClean="0"/>
+              <a:rPr lang="en-US" altLang="ja-JP" sz="2400" dirty="0"/>
               <a:t>GIS</a:t>
             </a:r>
             <a:r>
-              <a:rPr lang="ja-JP" altLang="en-US" sz="2400" dirty="0" smtClean="0"/>
+              <a:rPr lang="ja-JP" altLang="en-US" sz="2400" dirty="0"/>
               <a:t>ソフトウェアは、有償のものから無償で利用できるオープンソースのものまで様々あり、用途によって選択することが一般的である。</a:t>
             </a:r>
-            <a:endParaRPr lang="en-US" altLang="ja-JP" sz="2400" dirty="0" smtClean="0"/>
-          </a:p>
-          <a:p>
-            <a:endParaRPr lang="en-US" altLang="ja-JP" sz="2400" dirty="0" smtClean="0"/>
-          </a:p>
-          <a:p>
-            <a:r>
-              <a:rPr lang="ja-JP" altLang="en-US" sz="2400" dirty="0" smtClean="0"/>
+            <a:endParaRPr lang="en-US" altLang="ja-JP" sz="2400" dirty="0"/>
+          </a:p>
+          <a:p>
+            <a:endParaRPr lang="en-US" altLang="ja-JP" sz="2400" dirty="0"/>
+          </a:p>
+          <a:p>
+            <a:r>
+              <a:rPr lang="ja-JP" altLang="en-US" sz="2400" dirty="0"/>
               <a:t>本教材は、</a:t>
             </a:r>
             <a:r>
-              <a:rPr lang="en-US" altLang="ja-JP" sz="2400" dirty="0" smtClean="0"/>
-              <a:t>Free </a:t>
-            </a:r>
-            <a:r>
               <a:rPr lang="en-US" altLang="ja-JP" sz="2400" dirty="0"/>
-              <a:t>Open Source for </a:t>
-            </a:r>
-            <a:r>
-              <a:rPr lang="en-US" altLang="ja-JP" sz="2400" dirty="0" err="1" smtClean="0"/>
+              <a:t>Free Open Source for </a:t>
+            </a:r>
+            <a:r>
+              <a:rPr lang="en-US" altLang="ja-JP" sz="2400" dirty="0" err="1"/>
               <a:t>GeoSpatial</a:t>
             </a:r>
             <a:r>
-              <a:rPr lang="ja-JP" altLang="en-US" sz="2400" dirty="0" smtClean="0"/>
+              <a:rPr lang="ja-JP" altLang="en-US" sz="2400" dirty="0"/>
               <a:t>（</a:t>
             </a:r>
             <a:r>
-              <a:rPr lang="en-US" altLang="ja-JP" sz="2400" dirty="0" smtClean="0"/>
+              <a:rPr lang="en-US" altLang="ja-JP" sz="2400" dirty="0"/>
               <a:t>FOSS4G</a:t>
             </a:r>
             <a:r>
-              <a:rPr lang="ja-JP" altLang="en-US" sz="2400" dirty="0" smtClean="0"/>
-              <a:t>）とよばれる無償利用</a:t>
-            </a:r>
-            <a:r>
               <a:rPr lang="ja-JP" altLang="en-US" sz="2400" dirty="0"/>
-              <a:t>できる</a:t>
-            </a:r>
-            <a:r>
-              <a:rPr lang="ja-JP" altLang="en-US" sz="2400" dirty="0" smtClean="0"/>
+              <a:t>）とよばれる無償利用できるオープンソースの</a:t>
+            </a:r>
+            <a:r>
+              <a:rPr lang="en-US" altLang="ja-JP" sz="2400" dirty="0"/>
+              <a:t>GIS</a:t>
+            </a:r>
+            <a:r>
+              <a:rPr lang="ja-JP" altLang="en-US" sz="2400" dirty="0"/>
+              <a:t>を中心に構成している。</a:t>
+            </a:r>
+            <a:endParaRPr lang="en-US" altLang="ja-JP" sz="2400" dirty="0"/>
+          </a:p>
+          <a:p>
+            <a:endParaRPr lang="en-US" altLang="ja-JP" sz="2400" dirty="0"/>
+          </a:p>
+          <a:p>
+            <a:r>
+              <a:rPr lang="ja-JP" altLang="en-US" sz="2400" dirty="0"/>
               <a:t>オープンソースの</a:t>
             </a:r>
             <a:r>
-              <a:rPr lang="en-US" altLang="ja-JP" sz="2400" dirty="0" smtClean="0"/>
+              <a:rPr lang="en-US" altLang="ja-JP" sz="2400" dirty="0"/>
               <a:t>GIS</a:t>
             </a:r>
             <a:r>
-              <a:rPr lang="ja-JP" altLang="en-US" sz="2400" dirty="0" smtClean="0"/>
-              <a:t>を</a:t>
-            </a:r>
-            <a:r>
               <a:rPr lang="ja-JP" altLang="en-US" sz="2400" dirty="0"/>
-              <a:t>中心に構成している</a:t>
-            </a:r>
-            <a:r>
-              <a:rPr lang="ja-JP" altLang="en-US" sz="2400" dirty="0" smtClean="0"/>
-              <a:t>。</a:t>
-            </a:r>
-            <a:endParaRPr lang="en-US" altLang="ja-JP" sz="2400" dirty="0" smtClean="0"/>
-          </a:p>
-          <a:p>
+              <a:t>は、世界中の開発者により、開発が進められている。</a:t>
+            </a:r>
             <a:endParaRPr lang="en-US" altLang="ja-JP" sz="2400" dirty="0"/>
-          </a:p>
-          <a:p>
-            <a:r>
-              <a:rPr lang="ja-JP" altLang="en-US" sz="2400" dirty="0" smtClean="0"/>
-              <a:t>オープンソースの</a:t>
-            </a:r>
-            <a:r>
-              <a:rPr lang="en-US" altLang="ja-JP" sz="2400" dirty="0" smtClean="0"/>
-              <a:t>GIS</a:t>
-            </a:r>
-            <a:r>
-              <a:rPr lang="ja-JP" altLang="en-US" sz="2400" dirty="0" smtClean="0"/>
-              <a:t>は、世界中の開発者により、開発が進められている。</a:t>
-            </a:r>
-            <a:endParaRPr lang="en-US" altLang="ja-JP" sz="2400" dirty="0" smtClean="0"/>
           </a:p>
         </p:txBody>
       </p:sp>
@@ -6378,7 +6306,7 @@
           <a:lstStyle/>
           <a:p>
             <a:r>
-              <a:rPr kumimoji="1" lang="en-US" altLang="ja-JP" sz="3200" b="1" dirty="0" smtClean="0">
+              <a:rPr kumimoji="1" lang="en-US" altLang="ja-JP" sz="3200" b="1" dirty="0">
                 <a:solidFill>
                   <a:srgbClr val="0070C0"/>
                 </a:solidFill>
@@ -6386,12 +6314,20 @@
               <a:t>GIS</a:t>
             </a:r>
             <a:r>
-              <a:rPr kumimoji="1" lang="ja-JP" altLang="en-US" sz="3200" b="1" dirty="0" smtClean="0">
+              <a:rPr kumimoji="1" lang="ja-JP" altLang="en-US" sz="3200" b="1" dirty="0">
                 <a:solidFill>
                   <a:srgbClr val="0070C0"/>
                 </a:solidFill>
               </a:rPr>
-              <a:t>で扱うデータ：ベクトルデータ</a:t>
+              <a:t>で扱うデータ</a:t>
+            </a:r>
+            <a:r>
+              <a:rPr kumimoji="1" lang="ja-JP" altLang="en-US" sz="3200" b="1">
+                <a:solidFill>
+                  <a:srgbClr val="0070C0"/>
+                </a:solidFill>
+              </a:rPr>
+              <a:t>：ベクタデータ</a:t>
             </a:r>
             <a:endParaRPr kumimoji="1" lang="ja-JP" altLang="en-US" sz="3200" b="1" dirty="0">
               <a:solidFill>
@@ -6424,100 +6360,78 @@
           <a:lstStyle/>
           <a:p>
             <a:r>
-              <a:rPr kumimoji="1" lang="ja-JP" altLang="en-US" sz="2400" dirty="0" smtClean="0"/>
-              <a:t>ベクトルデータとは、</a:t>
-            </a:r>
-            <a:r>
-              <a:rPr lang="ja-JP" altLang="en-US" sz="2400" dirty="0" smtClean="0"/>
+              <a:rPr kumimoji="1" lang="ja-JP" altLang="en-US" sz="2400"/>
+              <a:t>ベクタデータ</a:t>
+            </a:r>
+            <a:r>
+              <a:rPr kumimoji="1" lang="ja-JP" altLang="en-US" sz="2400" dirty="0"/>
+              <a:t>とは、</a:t>
+            </a:r>
+            <a:r>
+              <a:rPr lang="ja-JP" altLang="en-US" sz="2400" dirty="0"/>
               <a:t>座標値を持った点のデータである。</a:t>
             </a:r>
-            <a:endParaRPr lang="en-US" altLang="ja-JP" sz="2400" dirty="0" smtClean="0"/>
-          </a:p>
-          <a:p>
-            <a:endParaRPr kumimoji="1" lang="en-US" altLang="ja-JP" sz="2400" dirty="0" smtClean="0"/>
-          </a:p>
-          <a:p>
-            <a:r>
-              <a:rPr lang="ja-JP" altLang="en-US" sz="2400" dirty="0" smtClean="0"/>
+            <a:endParaRPr lang="en-US" altLang="ja-JP" sz="2400" dirty="0"/>
+          </a:p>
+          <a:p>
+            <a:endParaRPr kumimoji="1" lang="en-US" altLang="ja-JP" sz="2400" dirty="0"/>
+          </a:p>
+          <a:p>
+            <a:r>
+              <a:rPr lang="ja-JP" altLang="en-US" sz="2400" dirty="0"/>
               <a:t>地物は、ポイント（点）、ライン（線）、ポリゴン（面）で表現される。</a:t>
             </a:r>
-            <a:endParaRPr lang="en-US" altLang="ja-JP" sz="2400" dirty="0" smtClean="0"/>
-          </a:p>
-          <a:p>
             <a:endParaRPr lang="en-US" altLang="ja-JP" sz="2400" dirty="0"/>
           </a:p>
           <a:p>
-            <a:r>
-              <a:rPr lang="ja-JP" altLang="en-US" sz="2400" dirty="0" smtClean="0"/>
-              <a:t>座標値</a:t>
-            </a:r>
+            <a:endParaRPr lang="en-US" altLang="ja-JP" sz="2400" dirty="0"/>
+          </a:p>
+          <a:p>
             <a:r>
               <a:rPr lang="ja-JP" altLang="en-US" sz="2400" dirty="0"/>
-              <a:t>で位置が決まるため、拡大縮小しても劣化</a:t>
-            </a:r>
-            <a:r>
-              <a:rPr lang="ja-JP" altLang="en-US" sz="2400" dirty="0" smtClean="0"/>
-              <a:t>しない。</a:t>
-            </a:r>
-            <a:endParaRPr lang="ja-JP" altLang="en-US" sz="2400" dirty="0"/>
-          </a:p>
-          <a:p>
-            <a:endParaRPr lang="en-US" altLang="ja-JP" sz="2400" dirty="0" smtClean="0"/>
-          </a:p>
-          <a:p>
-            <a:r>
-              <a:rPr lang="ja-JP" altLang="en-US" sz="2400" dirty="0" smtClean="0"/>
+              <a:t>座標値で位置が決まるため、拡大縮小しても劣化しない。</a:t>
+            </a:r>
+          </a:p>
+          <a:p>
+            <a:endParaRPr lang="en-US" altLang="ja-JP" sz="2400" dirty="0"/>
+          </a:p>
+          <a:p>
+            <a:r>
+              <a:rPr lang="ja-JP" altLang="en-US" sz="2400" dirty="0"/>
               <a:t>位置情報の他に、複数の属性情報をもつことができる。</a:t>
             </a:r>
-            <a:endParaRPr lang="en-US" altLang="ja-JP" sz="2400" dirty="0" smtClean="0"/>
-          </a:p>
-          <a:p>
-            <a:endParaRPr lang="en-US" altLang="ja-JP" sz="2400" dirty="0" smtClean="0"/>
-          </a:p>
-          <a:p>
-            <a:r>
-              <a:rPr lang="ja-JP" altLang="en-US" sz="2400" dirty="0" smtClean="0"/>
+            <a:endParaRPr lang="en-US" altLang="ja-JP" sz="2400" dirty="0"/>
+          </a:p>
+          <a:p>
+            <a:endParaRPr lang="en-US" altLang="ja-JP" sz="2400" dirty="0"/>
+          </a:p>
+          <a:p>
+            <a:r>
+              <a:rPr lang="ja-JP" altLang="en-US" sz="2400" dirty="0"/>
               <a:t>例）店舗データの場合</a:t>
             </a:r>
-            <a:endParaRPr lang="en-US" altLang="ja-JP" sz="2400" dirty="0" smtClean="0"/>
-          </a:p>
-          <a:p>
-            <a:r>
-              <a:rPr lang="ja-JP" altLang="en-US" sz="2400" dirty="0" smtClean="0"/>
+            <a:endParaRPr lang="en-US" altLang="ja-JP" sz="2400" dirty="0"/>
+          </a:p>
+          <a:p>
+            <a:r>
+              <a:rPr lang="ja-JP" altLang="en-US" sz="2400" dirty="0"/>
               <a:t>店舗名、住所、業種、店舗の面積、階数、従業員数、定休日など</a:t>
             </a:r>
-            <a:endParaRPr lang="ja-JP" altLang="en-US" sz="2400" dirty="0"/>
-          </a:p>
-          <a:p>
-            <a:endParaRPr kumimoji="1" lang="en-US" altLang="ja-JP" sz="2400" dirty="0" smtClean="0"/>
+          </a:p>
+          <a:p>
+            <a:endParaRPr kumimoji="1" lang="en-US" altLang="ja-JP" sz="2400" dirty="0"/>
           </a:p>
           <a:p>
             <a:r>
               <a:rPr lang="ja-JP" altLang="en-US" sz="2400" dirty="0"/>
-              <a:t>代表的</a:t>
-            </a:r>
-            <a:r>
-              <a:rPr lang="ja-JP" altLang="en-US" sz="2400" dirty="0" smtClean="0"/>
-              <a:t>なファイル形式と</a:t>
+              <a:t>代表的なファイル形式として、シェープファイル（</a:t>
+            </a:r>
+            <a:r>
+              <a:rPr lang="en-GB" altLang="ja-JP" sz="2400" dirty="0"/>
+              <a:t> Shapefile</a:t>
             </a:r>
             <a:r>
               <a:rPr lang="ja-JP" altLang="en-US" sz="2400" dirty="0"/>
-              <a:t>して、</a:t>
-            </a:r>
-            <a:r>
-              <a:rPr lang="ja-JP" altLang="en-US" sz="2400" dirty="0" smtClean="0"/>
-              <a:t>シェープファイル（</a:t>
-            </a:r>
-            <a:r>
-              <a:rPr lang="en-GB" altLang="ja-JP" sz="2400" dirty="0"/>
-              <a:t> </a:t>
-            </a:r>
-            <a:r>
-              <a:rPr lang="en-GB" altLang="ja-JP" sz="2400" dirty="0" smtClean="0"/>
-              <a:t>Shapefile</a:t>
-            </a:r>
-            <a:r>
-              <a:rPr lang="ja-JP" altLang="en-US" sz="2400" dirty="0" smtClean="0"/>
               <a:t>）がある。</a:t>
             </a:r>
             <a:endParaRPr kumimoji="1" lang="ja-JP" altLang="en-US" sz="2400" dirty="0"/>
@@ -7199,10 +7113,9 @@
           <a:lstStyle/>
           <a:p>
             <a:r>
-              <a:rPr kumimoji="1" lang="ja-JP" altLang="en-US" sz="1800" b="1" dirty="0" smtClean="0"/>
+              <a:rPr kumimoji="1" lang="ja-JP" altLang="en-US" sz="1800" b="1" dirty="0"/>
               <a:t>ポイント（点）</a:t>
             </a:r>
-            <a:endParaRPr kumimoji="1" lang="ja-JP" altLang="en-US" sz="1800" b="1" dirty="0"/>
           </a:p>
         </p:txBody>
       </p:sp>
@@ -7229,10 +7142,9 @@
           <a:lstStyle/>
           <a:p>
             <a:r>
-              <a:rPr kumimoji="1" lang="ja-JP" altLang="en-US" sz="1800" b="1" dirty="0" smtClean="0"/>
+              <a:rPr kumimoji="1" lang="ja-JP" altLang="en-US" sz="1800" b="1" dirty="0"/>
               <a:t>ライン（線）</a:t>
             </a:r>
-            <a:endParaRPr kumimoji="1" lang="ja-JP" altLang="en-US" sz="1800" b="1" dirty="0"/>
           </a:p>
         </p:txBody>
       </p:sp>
@@ -7259,10 +7171,9 @@
           <a:lstStyle/>
           <a:p>
             <a:r>
-              <a:rPr kumimoji="1" lang="ja-JP" altLang="en-US" sz="1800" b="1" dirty="0" smtClean="0"/>
+              <a:rPr kumimoji="1" lang="ja-JP" altLang="en-US" sz="1800" b="1" dirty="0"/>
               <a:t>ポリゴン（面）</a:t>
             </a:r>
-            <a:endParaRPr kumimoji="1" lang="ja-JP" altLang="en-US" sz="1800" b="1" dirty="0"/>
           </a:p>
         </p:txBody>
       </p:sp>
@@ -7505,10 +7416,9 @@
           <a:lstStyle/>
           <a:p>
             <a:r>
-              <a:rPr kumimoji="1" lang="ja-JP" altLang="en-US" sz="1800" b="1" dirty="0" smtClean="0"/>
+              <a:rPr kumimoji="1" lang="ja-JP" altLang="en-US" sz="1800" b="1" dirty="0"/>
               <a:t>施設、標高点など</a:t>
             </a:r>
-            <a:endParaRPr kumimoji="1" lang="ja-JP" altLang="en-US" sz="1800" b="1" dirty="0"/>
           </a:p>
         </p:txBody>
       </p:sp>
@@ -7535,10 +7445,9 @@
           <a:lstStyle/>
           <a:p>
             <a:r>
-              <a:rPr kumimoji="1" lang="ja-JP" altLang="en-US" sz="1800" b="1" dirty="0" smtClean="0"/>
+              <a:rPr kumimoji="1" lang="ja-JP" altLang="en-US" sz="1800" b="1" dirty="0"/>
               <a:t>道路、河川など</a:t>
             </a:r>
-            <a:endParaRPr kumimoji="1" lang="ja-JP" altLang="en-US" sz="1800" b="1" dirty="0"/>
           </a:p>
         </p:txBody>
       </p:sp>
@@ -7565,10 +7474,9 @@
           <a:lstStyle/>
           <a:p>
             <a:r>
-              <a:rPr kumimoji="1" lang="ja-JP" altLang="en-US" sz="1800" b="1" dirty="0" smtClean="0"/>
+              <a:rPr kumimoji="1" lang="ja-JP" altLang="en-US" sz="1800" b="1" dirty="0"/>
               <a:t>建物、土地利用など</a:t>
             </a:r>
-            <a:endParaRPr kumimoji="1" lang="ja-JP" altLang="en-US" sz="1800" b="1" dirty="0"/>
           </a:p>
         </p:txBody>
       </p:sp>
@@ -8792,10 +8700,9 @@
           <a:lstStyle/>
           <a:p>
             <a:r>
-              <a:rPr kumimoji="1" lang="ja-JP" altLang="en-US" dirty="0" smtClean="0"/>
+              <a:rPr kumimoji="1" lang="ja-JP" altLang="en-US" dirty="0"/>
               <a:t>三丁目公園</a:t>
             </a:r>
-            <a:endParaRPr kumimoji="1" lang="ja-JP" altLang="en-US" dirty="0"/>
           </a:p>
         </p:txBody>
       </p:sp>
@@ -8992,11 +8899,11 @@
           <a:lstStyle/>
           <a:p>
             <a:r>
-              <a:rPr kumimoji="1" lang="en-US" altLang="ja-JP" dirty="0" smtClean="0"/>
+              <a:rPr kumimoji="1" lang="en-US" altLang="ja-JP" dirty="0"/>
               <a:t>30.5</a:t>
             </a:r>
             <a:r>
-              <a:rPr lang="en-US" altLang="ja-JP" dirty="0" smtClean="0"/>
+              <a:rPr lang="en-US" altLang="ja-JP" dirty="0"/>
               <a:t>m</a:t>
             </a:r>
           </a:p>
@@ -9152,7 +9059,7 @@
           <a:lstStyle/>
           <a:p>
             <a:r>
-              <a:rPr kumimoji="1" lang="en-US" altLang="ja-JP" sz="3200" b="1" dirty="0" smtClean="0">
+              <a:rPr kumimoji="1" lang="en-US" altLang="ja-JP" sz="3200" b="1" dirty="0">
                 <a:solidFill>
                   <a:srgbClr val="0070C0"/>
                 </a:solidFill>
@@ -9160,18 +9067,13 @@
               <a:t>GIS</a:t>
             </a:r>
             <a:r>
-              <a:rPr kumimoji="1" lang="ja-JP" altLang="en-US" sz="3200" b="1" dirty="0" smtClean="0">
+              <a:rPr kumimoji="1" lang="ja-JP" altLang="en-US" sz="3200" b="1" dirty="0">
                 <a:solidFill>
                   <a:srgbClr val="0070C0"/>
                 </a:solidFill>
               </a:rPr>
               <a:t>で扱うデータ：ラスタデータ</a:t>
             </a:r>
-            <a:endParaRPr kumimoji="1" lang="ja-JP" altLang="en-US" sz="3200" b="1" dirty="0">
-              <a:solidFill>
-                <a:srgbClr val="0070C0"/>
-              </a:solidFill>
-            </a:endParaRPr>
           </a:p>
         </p:txBody>
       </p:sp>
@@ -9198,91 +9100,71 @@
           <a:lstStyle/>
           <a:p>
             <a:r>
-              <a:rPr kumimoji="1" lang="ja-JP" altLang="en-US" sz="2400" dirty="0" smtClean="0"/>
+              <a:rPr kumimoji="1" lang="ja-JP" altLang="en-US" sz="2400" dirty="0"/>
               <a:t>ラスタデータとは、ピクセル（画素）で区分されたデータである。</a:t>
             </a:r>
-            <a:endParaRPr lang="en-US" altLang="ja-JP" sz="2400" dirty="0" smtClean="0"/>
-          </a:p>
-          <a:p>
-            <a:endParaRPr kumimoji="1" lang="en-US" altLang="ja-JP" sz="2400" dirty="0" smtClean="0"/>
+            <a:endParaRPr lang="en-US" altLang="ja-JP" sz="2400" dirty="0"/>
+          </a:p>
+          <a:p>
+            <a:endParaRPr kumimoji="1" lang="en-US" altLang="ja-JP" sz="2400" dirty="0"/>
           </a:p>
           <a:p>
             <a:r>
               <a:rPr lang="ja-JP" altLang="en-US" sz="2400" dirty="0"/>
-              <a:t>ピクセル</a:t>
-            </a:r>
-            <a:r>
-              <a:rPr lang="ja-JP" altLang="en-US" sz="2400" dirty="0" smtClean="0"/>
-              <a:t>ごとに値を用いて地物を表現する。</a:t>
-            </a:r>
-            <a:endParaRPr lang="en-US" altLang="ja-JP" sz="2400" dirty="0" smtClean="0"/>
-          </a:p>
-          <a:p>
+              <a:t>ピクセルごとに値を用いて地物を表現する。</a:t>
+            </a:r>
             <a:endParaRPr lang="en-US" altLang="ja-JP" sz="2400" dirty="0"/>
           </a:p>
           <a:p>
-            <a:r>
-              <a:rPr lang="ja-JP" altLang="en-US" sz="2400" dirty="0" smtClean="0"/>
+            <a:endParaRPr lang="en-US" altLang="ja-JP" sz="2400" dirty="0"/>
+          </a:p>
+          <a:p>
+            <a:r>
+              <a:rPr lang="ja-JP" altLang="en-US" sz="2400" dirty="0"/>
               <a:t>拡大や縮小により、データの見え方が変化する。</a:t>
             </a:r>
-            <a:endParaRPr lang="en-US" altLang="ja-JP" sz="2400" dirty="0" smtClean="0"/>
-          </a:p>
-          <a:p>
-            <a:endParaRPr lang="en-US" altLang="ja-JP" sz="2400" dirty="0" smtClean="0"/>
-          </a:p>
-          <a:p>
-            <a:r>
-              <a:rPr lang="ja-JP" altLang="en-US" sz="2400" dirty="0" smtClean="0"/>
+            <a:endParaRPr lang="en-US" altLang="ja-JP" sz="2400" dirty="0"/>
+          </a:p>
+          <a:p>
+            <a:endParaRPr lang="en-US" altLang="ja-JP" sz="2400" dirty="0"/>
+          </a:p>
+          <a:p>
+            <a:r>
+              <a:rPr lang="ja-JP" altLang="en-US" sz="2400" dirty="0"/>
               <a:t>地表面の標高値を保持した</a:t>
             </a:r>
             <a:r>
-              <a:rPr lang="en-US" altLang="ja-JP" sz="2400" dirty="0" smtClean="0"/>
+              <a:rPr lang="en-US" altLang="ja-JP" sz="2400" dirty="0"/>
               <a:t>DEM</a:t>
             </a:r>
             <a:r>
-              <a:rPr lang="ja-JP" altLang="en-US" sz="2400" dirty="0" smtClean="0"/>
+              <a:rPr lang="ja-JP" altLang="en-US" sz="2400" dirty="0"/>
               <a:t>（</a:t>
             </a:r>
             <a:r>
-              <a:rPr lang="en-US" altLang="ja-JP" sz="2400" dirty="0" smtClean="0"/>
+              <a:rPr lang="en-US" altLang="ja-JP" sz="2400" dirty="0"/>
               <a:t>Digital Elevation Model</a:t>
             </a:r>
             <a:r>
-              <a:rPr lang="ja-JP" altLang="en-US" sz="2400" dirty="0" smtClean="0"/>
-              <a:t>）のような地形</a:t>
-            </a:r>
-            <a:r>
               <a:rPr lang="ja-JP" altLang="en-US" sz="2400" dirty="0"/>
-              <a:t>の可視化</a:t>
-            </a:r>
-            <a:r>
-              <a:rPr lang="ja-JP" altLang="en-US" sz="2400" dirty="0" smtClean="0"/>
-              <a:t>に用いられることが多い。</a:t>
+              <a:t>）のような地形の可視化に用いられることが多い。</a:t>
             </a:r>
             <a:endParaRPr lang="en-US" altLang="ja-JP" sz="2400" dirty="0"/>
           </a:p>
           <a:p>
-            <a:endParaRPr lang="en-US" altLang="ja-JP" sz="2400" dirty="0" smtClean="0"/>
-          </a:p>
-          <a:p>
-            <a:r>
-              <a:rPr lang="ja-JP" altLang="en-US" sz="2400" dirty="0" smtClean="0"/>
-              <a:t>位置情報を保持した代表的なファイル形式と</a:t>
-            </a:r>
+            <a:endParaRPr lang="en-US" altLang="ja-JP" sz="2400" dirty="0"/>
+          </a:p>
+          <a:p>
             <a:r>
               <a:rPr lang="ja-JP" altLang="en-US" sz="2400" dirty="0"/>
-              <a:t>して</a:t>
-            </a:r>
-            <a:r>
-              <a:rPr lang="ja-JP" altLang="en-US" sz="2400" dirty="0" smtClean="0"/>
-              <a:t>、</a:t>
-            </a:r>
-            <a:r>
-              <a:rPr lang="en-US" altLang="ja-JP" sz="2400" dirty="0" err="1" smtClean="0"/>
+              <a:t>位置情報を保持した代表的なファイル形式として、</a:t>
+            </a:r>
+            <a:r>
+              <a:rPr lang="en-US" altLang="ja-JP" sz="2400" dirty="0" err="1"/>
               <a:t>Geotiff</a:t>
             </a:r>
             <a:r>
-              <a:rPr lang="ja-JP" altLang="en-US" sz="2400" dirty="0" smtClean="0"/>
+              <a:rPr lang="ja-JP" altLang="en-US" sz="2400" dirty="0"/>
               <a:t>がある。</a:t>
             </a:r>
             <a:endParaRPr kumimoji="1" lang="ja-JP" altLang="en-US" sz="2400" dirty="0"/>
@@ -11653,7 +11535,7 @@
           <a:lstStyle/>
           <a:p>
             <a:r>
-              <a:rPr kumimoji="1" lang="en-US" altLang="ja-JP" dirty="0" smtClean="0"/>
+              <a:rPr kumimoji="1" lang="en-US" altLang="ja-JP" dirty="0"/>
               <a:t>3</a:t>
             </a:r>
             <a:endParaRPr kumimoji="1" lang="ja-JP" altLang="en-US" dirty="0"/>
@@ -11713,7 +11595,7 @@
           <a:lstStyle/>
           <a:p>
             <a:r>
-              <a:rPr lang="en-US" altLang="ja-JP" dirty="0" smtClean="0"/>
+              <a:rPr lang="en-US" altLang="ja-JP" dirty="0"/>
               <a:t>3</a:t>
             </a:r>
             <a:endParaRPr kumimoji="1" lang="ja-JP" altLang="en-US" dirty="0"/>
@@ -11803,7 +11685,7 @@
           <a:lstStyle/>
           <a:p>
             <a:r>
-              <a:rPr kumimoji="1" lang="en-US" altLang="ja-JP" dirty="0" smtClean="0"/>
+              <a:rPr kumimoji="1" lang="en-US" altLang="ja-JP" dirty="0"/>
               <a:t>3</a:t>
             </a:r>
             <a:endParaRPr kumimoji="1" lang="ja-JP" altLang="en-US" dirty="0"/>
@@ -11833,7 +11715,7 @@
           <a:lstStyle/>
           <a:p>
             <a:r>
-              <a:rPr kumimoji="1" lang="en-US" altLang="ja-JP" dirty="0" smtClean="0"/>
+              <a:rPr kumimoji="1" lang="en-US" altLang="ja-JP" dirty="0"/>
               <a:t>2</a:t>
             </a:r>
             <a:endParaRPr kumimoji="1" lang="ja-JP" altLang="en-US" dirty="0"/>
@@ -11863,7 +11745,7 @@
           <a:lstStyle/>
           <a:p>
             <a:r>
-              <a:rPr kumimoji="1" lang="en-US" altLang="ja-JP" dirty="0" smtClean="0"/>
+              <a:rPr kumimoji="1" lang="en-US" altLang="ja-JP" dirty="0"/>
               <a:t>2</a:t>
             </a:r>
             <a:endParaRPr kumimoji="1" lang="ja-JP" altLang="en-US" dirty="0"/>
@@ -11893,7 +11775,7 @@
           <a:lstStyle/>
           <a:p>
             <a:r>
-              <a:rPr kumimoji="1" lang="en-US" altLang="ja-JP" dirty="0" smtClean="0"/>
+              <a:rPr kumimoji="1" lang="en-US" altLang="ja-JP" dirty="0"/>
               <a:t>2</a:t>
             </a:r>
             <a:endParaRPr kumimoji="1" lang="ja-JP" altLang="en-US" dirty="0"/>
@@ -11923,7 +11805,7 @@
           <a:lstStyle/>
           <a:p>
             <a:r>
-              <a:rPr kumimoji="1" lang="en-US" altLang="ja-JP" dirty="0" smtClean="0"/>
+              <a:rPr kumimoji="1" lang="en-US" altLang="ja-JP" dirty="0"/>
               <a:t>2</a:t>
             </a:r>
             <a:endParaRPr kumimoji="1" lang="ja-JP" altLang="en-US" dirty="0"/>
@@ -11953,7 +11835,7 @@
           <a:lstStyle/>
           <a:p>
             <a:r>
-              <a:rPr lang="en-US" altLang="ja-JP" dirty="0" smtClean="0"/>
+              <a:rPr lang="en-US" altLang="ja-JP" dirty="0"/>
               <a:t>2</a:t>
             </a:r>
             <a:endParaRPr kumimoji="1" lang="ja-JP" altLang="en-US" dirty="0"/>
@@ -11983,7 +11865,7 @@
           <a:lstStyle/>
           <a:p>
             <a:r>
-              <a:rPr lang="en-US" altLang="ja-JP" dirty="0" smtClean="0"/>
+              <a:rPr lang="en-US" altLang="ja-JP" dirty="0"/>
               <a:t>2</a:t>
             </a:r>
             <a:endParaRPr kumimoji="1" lang="ja-JP" altLang="en-US" dirty="0"/>
@@ -12043,7 +11925,7 @@
           <a:lstStyle/>
           <a:p>
             <a:r>
-              <a:rPr kumimoji="1" lang="en-US" altLang="ja-JP" dirty="0" smtClean="0"/>
+              <a:rPr kumimoji="1" lang="en-US" altLang="ja-JP" dirty="0"/>
               <a:t>1</a:t>
             </a:r>
             <a:endParaRPr kumimoji="1" lang="ja-JP" altLang="en-US" dirty="0"/>
@@ -12103,7 +11985,7 @@
           <a:lstStyle/>
           <a:p>
             <a:r>
-              <a:rPr kumimoji="1" lang="en-US" altLang="ja-JP" dirty="0" smtClean="0"/>
+              <a:rPr kumimoji="1" lang="en-US" altLang="ja-JP" dirty="0"/>
               <a:t>1</a:t>
             </a:r>
             <a:endParaRPr kumimoji="1" lang="ja-JP" altLang="en-US" dirty="0"/>
@@ -12133,7 +12015,7 @@
           <a:lstStyle/>
           <a:p>
             <a:r>
-              <a:rPr lang="en-US" altLang="ja-JP" dirty="0" smtClean="0"/>
+              <a:rPr lang="en-US" altLang="ja-JP" dirty="0"/>
               <a:t>1</a:t>
             </a:r>
             <a:endParaRPr kumimoji="1" lang="ja-JP" altLang="en-US" dirty="0"/>
@@ -12163,7 +12045,7 @@
           <a:lstStyle/>
           <a:p>
             <a:r>
-              <a:rPr kumimoji="1" lang="en-US" altLang="ja-JP" dirty="0" smtClean="0"/>
+              <a:rPr kumimoji="1" lang="en-US" altLang="ja-JP" dirty="0"/>
               <a:t>1</a:t>
             </a:r>
             <a:endParaRPr kumimoji="1" lang="ja-JP" altLang="en-US" dirty="0"/>
@@ -12193,7 +12075,7 @@
           <a:lstStyle/>
           <a:p>
             <a:r>
-              <a:rPr kumimoji="1" lang="en-US" altLang="ja-JP" dirty="0" smtClean="0"/>
+              <a:rPr kumimoji="1" lang="en-US" altLang="ja-JP" dirty="0"/>
               <a:t>1</a:t>
             </a:r>
             <a:endParaRPr kumimoji="1" lang="ja-JP" altLang="en-US" dirty="0"/>
@@ -12283,7 +12165,7 @@
           <a:lstStyle/>
           <a:p>
             <a:r>
-              <a:rPr lang="en-US" altLang="ja-JP" dirty="0" smtClean="0"/>
+              <a:rPr lang="en-US" altLang="ja-JP" dirty="0"/>
               <a:t>0</a:t>
             </a:r>
             <a:endParaRPr kumimoji="1" lang="ja-JP" altLang="en-US" dirty="0"/>
@@ -12313,7 +12195,7 @@
           <a:lstStyle/>
           <a:p>
             <a:r>
-              <a:rPr kumimoji="1" lang="en-US" altLang="ja-JP" dirty="0" smtClean="0"/>
+              <a:rPr kumimoji="1" lang="en-US" altLang="ja-JP" dirty="0"/>
               <a:t>0</a:t>
             </a:r>
             <a:endParaRPr kumimoji="1" lang="ja-JP" altLang="en-US" dirty="0"/>
@@ -12552,7 +12434,7 @@
           <a:lstStyle/>
           <a:p>
             <a:r>
-              <a:rPr lang="ja-JP" altLang="en-US" sz="2800" dirty="0" smtClean="0"/>
+              <a:rPr lang="ja-JP" altLang="en-US" sz="2800" dirty="0"/>
               <a:t>ラスタデータとピクセル</a:t>
             </a:r>
             <a:endParaRPr lang="en-US" altLang="ja-JP" sz="2800" dirty="0"/>
@@ -12612,7 +12494,7 @@
           <a:lstStyle/>
           <a:p>
             <a:r>
-              <a:rPr lang="ja-JP" altLang="en-US" sz="3200" b="1" dirty="0" smtClean="0">
+              <a:rPr lang="ja-JP" altLang="en-US" sz="3200" b="1" dirty="0">
                 <a:solidFill>
                   <a:srgbClr val="0070C0"/>
                 </a:solidFill>
@@ -15991,21 +15873,21 @@
           <a:lstStyle/>
           <a:p>
             <a:r>
-              <a:rPr kumimoji="1" lang="en-US" altLang="ja-JP" sz="2400" dirty="0" smtClean="0"/>
+              <a:rPr kumimoji="1" lang="en-US" altLang="ja-JP" sz="2400" dirty="0"/>
               <a:t>GIS</a:t>
             </a:r>
             <a:r>
-              <a:rPr lang="ja-JP" altLang="en-US" sz="2400" dirty="0" smtClean="0"/>
+              <a:rPr lang="ja-JP" altLang="en-US" sz="2400" dirty="0"/>
               <a:t>ではデータ（レイヤ）を重ね合わせて地物を表現する</a:t>
             </a:r>
-            <a:endParaRPr lang="en-US" altLang="ja-JP" sz="2400" dirty="0" smtClean="0"/>
-          </a:p>
-          <a:p>
-            <a:r>
-              <a:rPr lang="ja-JP" altLang="en-US" sz="2400" dirty="0" smtClean="0"/>
+            <a:endParaRPr lang="en-US" altLang="ja-JP" sz="2400" dirty="0"/>
+          </a:p>
+          <a:p>
+            <a:r>
+              <a:rPr lang="ja-JP" altLang="en-US" sz="2400" dirty="0"/>
               <a:t>地物とは、</a:t>
             </a:r>
-            <a:endParaRPr lang="en-US" altLang="ja-JP" sz="2400" dirty="0" smtClean="0"/>
+            <a:endParaRPr lang="en-US" altLang="ja-JP" sz="2400" dirty="0"/>
           </a:p>
         </p:txBody>
       </p:sp>
@@ -16095,7 +15977,7 @@
           <a:lstStyle/>
           <a:p>
             <a:r>
-              <a:rPr lang="ja-JP" altLang="en-US" sz="3200" b="1" dirty="0" smtClean="0">
+              <a:rPr lang="ja-JP" altLang="en-US" sz="3200" b="1" dirty="0">
                 <a:solidFill>
                   <a:srgbClr val="0070C0"/>
                 </a:solidFill>
@@ -16103,18 +15985,13 @@
               <a:t>測地系</a:t>
             </a:r>
             <a:r>
-              <a:rPr kumimoji="1" lang="ja-JP" altLang="en-US" sz="3200" b="1" dirty="0" smtClean="0">
+              <a:rPr kumimoji="1" lang="ja-JP" altLang="en-US" sz="3200" b="1" dirty="0">
                 <a:solidFill>
                   <a:srgbClr val="0070C0"/>
                 </a:solidFill>
               </a:rPr>
               <a:t>と座標系</a:t>
             </a:r>
-            <a:endParaRPr kumimoji="1" lang="ja-JP" altLang="en-US" sz="3200" b="1" dirty="0">
-              <a:solidFill>
-                <a:srgbClr val="0070C0"/>
-              </a:solidFill>
-            </a:endParaRPr>
           </a:p>
         </p:txBody>
       </p:sp>
@@ -16142,73 +16019,61 @@
           <a:p>
             <a:r>
               <a:rPr lang="ja-JP" altLang="en-US" sz="2400" dirty="0"/>
-              <a:t>地理空間</a:t>
-            </a:r>
-            <a:r>
-              <a:rPr lang="ja-JP" altLang="en-US" sz="2400" dirty="0" smtClean="0"/>
-              <a:t>データには、位置を示すため座標系が定義されている。</a:t>
-            </a:r>
-            <a:endParaRPr lang="en-US" altLang="ja-JP" sz="2400" dirty="0" smtClean="0"/>
-          </a:p>
-          <a:p>
+              <a:t>地理空間データには、位置を示すため座標系が定義されている。</a:t>
+            </a:r>
             <a:endParaRPr lang="en-US" altLang="ja-JP" sz="2400" dirty="0"/>
           </a:p>
           <a:p>
-            <a:r>
-              <a:rPr lang="ja-JP" altLang="en-US" sz="2400" dirty="0" smtClean="0"/>
-              <a:t>測地</a:t>
-            </a:r>
+            <a:endParaRPr lang="en-US" altLang="ja-JP" sz="2400" dirty="0"/>
+          </a:p>
+          <a:p>
             <a:r>
               <a:rPr lang="ja-JP" altLang="en-US" sz="2400" dirty="0"/>
-              <a:t>系とは、地球上の座標を楕円体に基づいて経緯度で規定する</a:t>
-            </a:r>
-            <a:r>
-              <a:rPr lang="ja-JP" altLang="en-US" sz="2400" dirty="0" smtClean="0"/>
-              <a:t>もので、測地系から座標系を定義する。</a:t>
+              <a:t>測地系とは、地球上の座標を楕円体に基づいて経緯度で規定するもので、測地系から座標系を定義する。</a:t>
             </a:r>
             <a:endParaRPr lang="en-US" altLang="ja-JP" sz="2400" dirty="0"/>
           </a:p>
           <a:p>
-            <a:endParaRPr lang="en-US" altLang="ja-JP" sz="2400" dirty="0" smtClean="0"/>
-          </a:p>
-          <a:p>
-            <a:r>
-              <a:rPr lang="ja-JP" altLang="en-US" sz="2400" dirty="0" smtClean="0"/>
+            <a:endParaRPr lang="en-US" altLang="ja-JP" sz="2400" dirty="0"/>
+          </a:p>
+          <a:p>
+            <a:r>
+              <a:rPr lang="ja-JP" altLang="en-US" sz="2400" dirty="0"/>
               <a:t>座標系に基づいた位置情報を保持している。</a:t>
             </a:r>
-            <a:endParaRPr lang="en-US" altLang="ja-JP" sz="2400" dirty="0" smtClean="0"/>
-          </a:p>
-          <a:p>
             <a:endParaRPr lang="en-US" altLang="ja-JP" sz="2400" dirty="0"/>
           </a:p>
           <a:p>
-            <a:r>
-              <a:rPr lang="ja-JP" altLang="en-US" sz="2400" dirty="0" smtClean="0"/>
+            <a:endParaRPr lang="en-US" altLang="ja-JP" sz="2400" dirty="0"/>
+          </a:p>
+          <a:p>
+            <a:r>
+              <a:rPr lang="ja-JP" altLang="en-US" sz="2400" dirty="0"/>
               <a:t>座標系は、大きく分けると経緯度で定義された地理座標系と平面上で定義された投影座標系の</a:t>
             </a:r>
             <a:r>
-              <a:rPr lang="en-US" altLang="ja-JP" sz="2400" dirty="0" smtClean="0"/>
+              <a:rPr lang="en-US" altLang="ja-JP" sz="2400" dirty="0"/>
               <a:t>2</a:t>
             </a:r>
             <a:r>
-              <a:rPr lang="ja-JP" altLang="en-US" sz="2400" dirty="0" smtClean="0"/>
+              <a:rPr lang="ja-JP" altLang="en-US" sz="2400" dirty="0"/>
               <a:t>つがある。</a:t>
             </a:r>
             <a:endParaRPr lang="en-US" altLang="ja-JP" sz="2400" dirty="0"/>
           </a:p>
           <a:p>
-            <a:endParaRPr lang="en-US" altLang="ja-JP" sz="2400" dirty="0" smtClean="0"/>
-          </a:p>
-          <a:p>
-            <a:r>
-              <a:rPr lang="en-US" altLang="ja-JP" sz="2400" dirty="0" smtClean="0"/>
+            <a:endParaRPr lang="en-US" altLang="ja-JP" sz="2400" dirty="0"/>
+          </a:p>
+          <a:p>
+            <a:r>
+              <a:rPr lang="en-US" altLang="ja-JP" sz="2400" dirty="0"/>
               <a:t>GIS</a:t>
             </a:r>
             <a:r>
-              <a:rPr lang="ja-JP" altLang="en-US" sz="2400" dirty="0" smtClean="0"/>
+              <a:rPr lang="ja-JP" altLang="en-US" sz="2400" dirty="0"/>
               <a:t>上で同一地域のデータが異なって、表示される場合は座標系を確認する。</a:t>
             </a:r>
-            <a:endParaRPr lang="en-US" altLang="ja-JP" sz="2400" dirty="0" smtClean="0"/>
+            <a:endParaRPr lang="en-US" altLang="ja-JP" sz="2400" dirty="0"/>
           </a:p>
         </p:txBody>
       </p:sp>
